--- a/10_Cистема_Техникум.pptx
+++ b/10_Cистема_Техникум.pptx
@@ -5,28 +5,27 @@
     <p:sldMasterId id="2147483954" r:id="rId4"/>
   </p:sldMasterIdLst>
   <p:notesMasterIdLst>
-    <p:notesMasterId r:id="rId21"/>
+    <p:notesMasterId r:id="rId20"/>
   </p:notesMasterIdLst>
   <p:handoutMasterIdLst>
-    <p:handoutMasterId r:id="rId22"/>
+    <p:handoutMasterId r:id="rId21"/>
   </p:handoutMasterIdLst>
   <p:sldIdLst>
     <p:sldId id="261" r:id="rId5"/>
     <p:sldId id="273" r:id="rId6"/>
-    <p:sldId id="314" r:id="rId7"/>
-    <p:sldId id="315" r:id="rId8"/>
-    <p:sldId id="324" r:id="rId9"/>
-    <p:sldId id="280" r:id="rId10"/>
-    <p:sldId id="318" r:id="rId11"/>
-    <p:sldId id="317" r:id="rId12"/>
-    <p:sldId id="319" r:id="rId13"/>
-    <p:sldId id="320" r:id="rId14"/>
-    <p:sldId id="322" r:id="rId15"/>
-    <p:sldId id="326" r:id="rId16"/>
+    <p:sldId id="315" r:id="rId7"/>
+    <p:sldId id="316" r:id="rId8"/>
+    <p:sldId id="314" r:id="rId9"/>
+    <p:sldId id="324" r:id="rId10"/>
+    <p:sldId id="280" r:id="rId11"/>
+    <p:sldId id="318" r:id="rId12"/>
+    <p:sldId id="317" r:id="rId13"/>
+    <p:sldId id="319" r:id="rId14"/>
+    <p:sldId id="320" r:id="rId15"/>
+    <p:sldId id="322" r:id="rId16"/>
     <p:sldId id="327" r:id="rId17"/>
-    <p:sldId id="316" r:id="rId18"/>
-    <p:sldId id="323" r:id="rId19"/>
-    <p:sldId id="328" r:id="rId20"/>
+    <p:sldId id="323" r:id="rId18"/>
+    <p:sldId id="328" r:id="rId19"/>
   </p:sldIdLst>
   <p:sldSz cx="12192000" cy="6858000"/>
   <p:notesSz cx="6858000" cy="9144000"/>
@@ -1818,94 +1817,7 @@
             <a:fld id="{DAE5FABD-26C8-4F74-B1E3-45BC91BC9D7B}" type="slidenum">
               <a:rPr lang="ru-RU" smtClean="0"/>
               <a:pPr rtl="0"/>
-              <a:t>13</a:t>
-            </a:fld>
-            <a:endParaRPr lang="ru-RU"/>
-          </a:p>
-        </p:txBody>
-      </p:sp>
-    </p:spTree>
-    <p:extLst>
-      <p:ext uri="{BB962C8B-B14F-4D97-AF65-F5344CB8AC3E}">
-        <p14:creationId xmlns:p14="http://schemas.microsoft.com/office/powerpoint/2010/main" val="1118322661"/>
-      </p:ext>
-    </p:extLst>
-  </p:cSld>
-  <p:clrMapOvr>
-    <a:masterClrMapping/>
-  </p:clrMapOvr>
-</p:notes>
-</file>
-
-<file path=ppt/notesSlides/notesSlide11.xml><?xml version="1.0" encoding="utf-8"?>
-<p:notes xmlns:a="http://schemas.openxmlformats.org/drawingml/2006/main" xmlns:r="http://schemas.openxmlformats.org/officeDocument/2006/relationships" xmlns:p="http://schemas.openxmlformats.org/presentationml/2006/main">
-  <p:cSld>
-    <p:spTree>
-      <p:nvGrpSpPr>
-        <p:cNvPr id="1" name=""/>
-        <p:cNvGrpSpPr/>
-        <p:nvPr/>
-      </p:nvGrpSpPr>
-      <p:grpSpPr>
-        <a:xfrm>
-          <a:off x="0" y="0"/>
-          <a:ext cx="0" cy="0"/>
-          <a:chOff x="0" y="0"/>
-          <a:chExt cx="0" cy="0"/>
-        </a:xfrm>
-      </p:grpSpPr>
-      <p:sp>
-        <p:nvSpPr>
-          <p:cNvPr id="2" name="Образ слайда 1"/>
-          <p:cNvSpPr>
-            <a:spLocks noGrp="1" noRot="1" noChangeAspect="1"/>
-          </p:cNvSpPr>
-          <p:nvPr>
-            <p:ph type="sldImg"/>
-          </p:nvPr>
-        </p:nvSpPr>
-        <p:spPr/>
-      </p:sp>
-      <p:sp>
-        <p:nvSpPr>
-          <p:cNvPr id="3" name="Заметки 2"/>
-          <p:cNvSpPr>
-            <a:spLocks noGrp="1"/>
-          </p:cNvSpPr>
-          <p:nvPr>
-            <p:ph type="body" idx="1"/>
-          </p:nvPr>
-        </p:nvSpPr>
-        <p:spPr/>
-        <p:txBody>
-          <a:bodyPr rtlCol="0"/>
-          <a:lstStyle/>
-          <a:p>
-            <a:pPr rtl="0"/>
-            <a:endParaRPr lang="ru-RU"/>
-          </a:p>
-        </p:txBody>
-      </p:sp>
-      <p:sp>
-        <p:nvSpPr>
-          <p:cNvPr id="4" name="Номер слайда 3"/>
-          <p:cNvSpPr>
-            <a:spLocks noGrp="1"/>
-          </p:cNvSpPr>
-          <p:nvPr>
-            <p:ph type="sldNum" sz="quarter" idx="5"/>
-          </p:nvPr>
-        </p:nvSpPr>
-        <p:spPr/>
-        <p:txBody>
-          <a:bodyPr rtlCol="0"/>
-          <a:lstStyle/>
-          <a:p>
-            <a:pPr rtl="0"/>
-            <a:fld id="{DAE5FABD-26C8-4F74-B1E3-45BC91BC9D7B}" type="slidenum">
-              <a:rPr lang="ru-RU" smtClean="0"/>
-              <a:pPr rtl="0"/>
-              <a:t>15</a:t>
+              <a:t>14</a:t>
             </a:fld>
             <a:endParaRPr lang="ru-RU"/>
           </a:p>
@@ -2079,7 +1991,7 @@
             <a:fld id="{DAE5FABD-26C8-4F74-B1E3-45BC91BC9D7B}" type="slidenum">
               <a:rPr lang="ru-RU" smtClean="0"/>
               <a:pPr rtl="0"/>
-              <a:t>6</a:t>
+              <a:t>7</a:t>
             </a:fld>
             <a:endParaRPr lang="ru-RU"/>
           </a:p>
@@ -2166,7 +2078,7 @@
             <a:fld id="{DAE5FABD-26C8-4F74-B1E3-45BC91BC9D7B}" type="slidenum">
               <a:rPr lang="ru-RU" smtClean="0"/>
               <a:pPr rtl="0"/>
-              <a:t>7</a:t>
+              <a:t>8</a:t>
             </a:fld>
             <a:endParaRPr lang="ru-RU"/>
           </a:p>
@@ -2253,7 +2165,7 @@
             <a:fld id="{DAE5FABD-26C8-4F74-B1E3-45BC91BC9D7B}" type="slidenum">
               <a:rPr lang="ru-RU" smtClean="0"/>
               <a:pPr rtl="0"/>
-              <a:t>8</a:t>
+              <a:t>9</a:t>
             </a:fld>
             <a:endParaRPr lang="ru-RU"/>
           </a:p>
@@ -2340,7 +2252,7 @@
             <a:fld id="{DAE5FABD-26C8-4F74-B1E3-45BC91BC9D7B}" type="slidenum">
               <a:rPr lang="ru-RU" smtClean="0"/>
               <a:pPr rtl="0"/>
-              <a:t>9</a:t>
+              <a:t>10</a:t>
             </a:fld>
             <a:endParaRPr lang="ru-RU"/>
           </a:p>
@@ -2427,7 +2339,7 @@
             <a:fld id="{DAE5FABD-26C8-4F74-B1E3-45BC91BC9D7B}" type="slidenum">
               <a:rPr lang="ru-RU" smtClean="0"/>
               <a:pPr rtl="0"/>
-              <a:t>10</a:t>
+              <a:t>11</a:t>
             </a:fld>
             <a:endParaRPr lang="ru-RU"/>
           </a:p>
@@ -2514,7 +2426,7 @@
             <a:fld id="{DAE5FABD-26C8-4F74-B1E3-45BC91BC9D7B}" type="slidenum">
               <a:rPr lang="ru-RU" smtClean="0"/>
               <a:pPr rtl="0"/>
-              <a:t>11</a:t>
+              <a:t>12</a:t>
             </a:fld>
             <a:endParaRPr lang="ru-RU"/>
           </a:p>
@@ -2601,7 +2513,7 @@
             <a:fld id="{DAE5FABD-26C8-4F74-B1E3-45BC91BC9D7B}" type="slidenum">
               <a:rPr lang="ru-RU" smtClean="0"/>
               <a:pPr rtl="0"/>
-              <a:t>12</a:t>
+              <a:t>13</a:t>
             </a:fld>
             <a:endParaRPr lang="ru-RU"/>
           </a:p>
@@ -2610,7 +2522,7 @@
     </p:spTree>
     <p:extLst>
       <p:ext uri="{BB962C8B-B14F-4D97-AF65-F5344CB8AC3E}">
-        <p14:creationId xmlns:p14="http://schemas.microsoft.com/office/powerpoint/2010/main" val="326516736"/>
+        <p14:creationId xmlns:p14="http://schemas.microsoft.com/office/powerpoint/2010/main" val="1118322661"/>
       </p:ext>
     </p:extLst>
   </p:cSld>
@@ -32831,34 +32743,6 @@
           <a:chExt cx="0" cy="0"/>
         </a:xfrm>
       </p:grpSpPr>
-      <p:pic>
-        <p:nvPicPr>
-          <p:cNvPr id="29" name="Объект 28">
-            <a:extLst>
-              <a:ext uri="{FF2B5EF4-FFF2-40B4-BE49-F238E27FC236}">
-                <a16:creationId xmlns:a16="http://schemas.microsoft.com/office/drawing/2014/main" id="{D210B177-1BB7-1DE3-D623-0EEFC24A693A}"/>
-              </a:ext>
-            </a:extLst>
-          </p:cNvPr>
-          <p:cNvPicPr>
-            <a:picLocks noGrp="1" noChangeAspect="1"/>
-          </p:cNvPicPr>
-          <p:nvPr>
-            <p:ph type="pic" sz="quarter" idx="17"/>
-          </p:nvPr>
-        </p:nvPicPr>
-        <p:blipFill rotWithShape="1">
-          <a:blip r:embed="rId3"/>
-          <a:srcRect l="-887" t="-5299" r="5029" b="-5299"/>
-          <a:stretch/>
-        </p:blipFill>
-        <p:spPr>
-          <a:xfrm>
-            <a:off x="548641" y="2667001"/>
-            <a:ext cx="5832000" cy="3543552"/>
-          </a:xfrm>
-        </p:spPr>
-      </p:pic>
       <p:sp>
         <p:nvSpPr>
           <p:cNvPr id="9" name="Заголовок 8">
@@ -32884,67 +32768,7 @@
           <a:p>
             <a:r>
               <a:rPr lang="ru-RU" sz="2800" dirty="0"/>
-              <a:t>Модуль «Учет преподавательской нагрузки»</a:t>
-            </a:r>
-          </a:p>
-        </p:txBody>
-      </p:sp>
-      <p:pic>
-        <p:nvPicPr>
-          <p:cNvPr id="25" name="Объект 24">
-            <a:extLst>
-              <a:ext uri="{FF2B5EF4-FFF2-40B4-BE49-F238E27FC236}">
-                <a16:creationId xmlns:a16="http://schemas.microsoft.com/office/drawing/2014/main" id="{9E06F188-EFE8-82E0-4CBF-FF9F6CA4F2EC}"/>
-              </a:ext>
-            </a:extLst>
-          </p:cNvPr>
-          <p:cNvPicPr>
-            <a:picLocks noGrp="1" noChangeAspect="1"/>
-          </p:cNvPicPr>
-          <p:nvPr>
-            <p:ph sz="quarter" idx="13"/>
-          </p:nvPr>
-        </p:nvPicPr>
-        <p:blipFill>
-          <a:blip r:embed="rId4"/>
-          <a:stretch>
-            <a:fillRect/>
-          </a:stretch>
-        </p:blipFill>
-        <p:spPr>
-          <a:xfrm>
-            <a:off x="6553200" y="2992800"/>
-            <a:ext cx="5089525" cy="2891700"/>
-          </a:xfrm>
-        </p:spPr>
-      </p:pic>
-      <p:sp>
-        <p:nvSpPr>
-          <p:cNvPr id="13" name="Объект 12">
-            <a:extLst>
-              <a:ext uri="{FF2B5EF4-FFF2-40B4-BE49-F238E27FC236}">
-                <a16:creationId xmlns:a16="http://schemas.microsoft.com/office/drawing/2014/main" id="{556610ED-3E2D-4E6A-ABD0-150F203E6B46}"/>
-              </a:ext>
-            </a:extLst>
-          </p:cNvPr>
-          <p:cNvSpPr>
-            <a:spLocks noGrp="1"/>
-          </p:cNvSpPr>
-          <p:nvPr>
-            <p:ph type="body" sz="quarter" idx="16"/>
-          </p:nvPr>
-        </p:nvSpPr>
-        <p:spPr/>
-        <p:txBody>
-          <a:bodyPr rtlCol="0">
-            <a:normAutofit/>
-          </a:bodyPr>
-          <a:lstStyle/>
-          <a:p>
-            <a:pPr rtl="0"/>
-            <a:r>
-              <a:rPr lang="ru-RU" sz="1700" noProof="1"/>
-              <a:t>Контроль преподавательской нагрузки учителями</a:t>
+              <a:t>Модуль «Приемная комиссия»</a:t>
             </a:r>
           </a:p>
         </p:txBody>
@@ -33268,6 +33092,73 @@
           <p:nvPr/>
         </p:nvPicPr>
         <p:blipFill>
+          <a:blip r:embed="rId3"/>
+          <a:stretch>
+            <a:fillRect/>
+          </a:stretch>
+        </p:blipFill>
+        <p:spPr>
+          <a:xfrm>
+            <a:off x="9840416" y="179647"/>
+            <a:ext cx="2107850" cy="2204419"/>
+          </a:xfrm>
+          <a:prstGeom prst="rect">
+            <a:avLst/>
+          </a:prstGeom>
+        </p:spPr>
+      </p:pic>
+      <p:pic>
+        <p:nvPicPr>
+          <p:cNvPr id="11" name="Рисунок 10">
+            <a:extLst>
+              <a:ext uri="{FF2B5EF4-FFF2-40B4-BE49-F238E27FC236}">
+                <a16:creationId xmlns:a16="http://schemas.microsoft.com/office/drawing/2014/main" id="{1F86FDCA-3908-A680-B8F3-1AA9D91AF93A}"/>
+              </a:ext>
+            </a:extLst>
+          </p:cNvPr>
+          <p:cNvPicPr>
+            <a:picLocks noGrp="1" noChangeAspect="1"/>
+          </p:cNvPicPr>
+          <p:nvPr>
+            <p:ph type="pic" sz="quarter" idx="17"/>
+          </p:nvPr>
+        </p:nvPicPr>
+        <p:blipFill rotWithShape="1">
+          <a:blip r:embed="rId4"/>
+          <a:srcRect l="8" t="6" r="8" b="6"/>
+          <a:stretch/>
+        </p:blipFill>
+        <p:spPr>
+          <a:xfrm>
+            <a:off x="6629399" y="2667000"/>
+            <a:ext cx="5013959" cy="3584735"/>
+          </a:xfrm>
+          <a:effectLst>
+            <a:outerShdw blurRad="50800" dist="38100" dir="2700000" algn="tl" rotWithShape="0">
+              <a:prstClr val="black">
+                <a:alpha val="40000"/>
+              </a:prstClr>
+            </a:outerShdw>
+          </a:effectLst>
+        </p:spPr>
+      </p:pic>
+      <p:pic>
+        <p:nvPicPr>
+          <p:cNvPr id="8" name="Объект 7">
+            <a:extLst>
+              <a:ext uri="{FF2B5EF4-FFF2-40B4-BE49-F238E27FC236}">
+                <a16:creationId xmlns:a16="http://schemas.microsoft.com/office/drawing/2014/main" id="{52D3CC5B-4963-6EF6-8E1B-A9D38CF41EC8}"/>
+              </a:ext>
+            </a:extLst>
+          </p:cNvPr>
+          <p:cNvPicPr>
+            <a:picLocks noGrp="1" noChangeAspect="1"/>
+          </p:cNvPicPr>
+          <p:nvPr>
+            <p:ph sz="quarter" idx="13"/>
+          </p:nvPr>
+        </p:nvPicPr>
+        <p:blipFill>
           <a:blip r:embed="rId5"/>
           <a:stretch>
             <a:fillRect/>
@@ -33275,20 +33166,24 @@
         </p:blipFill>
         <p:spPr>
           <a:xfrm>
-            <a:off x="9840416" y="179647"/>
-            <a:ext cx="2107850" cy="2204419"/>
-          </a:xfrm>
-          <a:prstGeom prst="rect">
-            <a:avLst/>
-          </a:prstGeom>
+            <a:off x="628788" y="2667000"/>
+            <a:ext cx="5775325" cy="3584735"/>
+          </a:xfrm>
+          <a:effectLst>
+            <a:outerShdw blurRad="50800" dist="38100" dir="2700000" algn="tl" rotWithShape="0">
+              <a:prstClr val="black">
+                <a:alpha val="40000"/>
+              </a:prstClr>
+            </a:outerShdw>
+          </a:effectLst>
         </p:spPr>
       </p:pic>
       <p:pic>
         <p:nvPicPr>
-          <p:cNvPr id="33" name="Рисунок 32">
-            <a:extLst>
-              <a:ext uri="{FF2B5EF4-FFF2-40B4-BE49-F238E27FC236}">
-                <a16:creationId xmlns:a16="http://schemas.microsoft.com/office/drawing/2014/main" id="{36D681A6-65D4-3200-F948-B6069BBE3D64}"/>
+          <p:cNvPr id="24" name="Рисунок 23">
+            <a:extLst>
+              <a:ext uri="{FF2B5EF4-FFF2-40B4-BE49-F238E27FC236}">
+                <a16:creationId xmlns:a16="http://schemas.microsoft.com/office/drawing/2014/main" id="{EF12BADA-5978-00D9-A4F9-3F9E25EE02D8}"/>
               </a:ext>
             </a:extLst>
           </p:cNvPr>
@@ -33358,7 +33253,7 @@
     </p:spTree>
     <p:extLst>
       <p:ext uri="{BB962C8B-B14F-4D97-AF65-F5344CB8AC3E}">
-        <p14:creationId xmlns:p14="http://schemas.microsoft.com/office/powerpoint/2010/main" val="556093225"/>
+        <p14:creationId xmlns:p14="http://schemas.microsoft.com/office/powerpoint/2010/main" val="145558312"/>
       </p:ext>
     </p:extLst>
   </p:cSld>
@@ -33366,7 +33261,7 @@
     <a:masterClrMapping/>
   </p:clrMapOvr>
   <p:transition spd="slow">
-    <p:wipe dir="r"/>
+    <p:wipe/>
   </p:transition>
 </p:sld>
 </file>
@@ -33390,60 +33285,132 @@
       </p:grpSpPr>
       <p:pic>
         <p:nvPicPr>
-          <p:cNvPr id="49" name="Рисунок 48">
-            <a:extLst>
-              <a:ext uri="{FF2B5EF4-FFF2-40B4-BE49-F238E27FC236}">
-                <a16:creationId xmlns:a16="http://schemas.microsoft.com/office/drawing/2014/main" id="{D0327923-E3CD-474C-4488-8A79EDA60450}"/>
+          <p:cNvPr id="29" name="Объект 28">
+            <a:extLst>
+              <a:ext uri="{FF2B5EF4-FFF2-40B4-BE49-F238E27FC236}">
+                <a16:creationId xmlns:a16="http://schemas.microsoft.com/office/drawing/2014/main" id="{D210B177-1BB7-1DE3-D623-0EEFC24A693A}"/>
               </a:ext>
             </a:extLst>
           </p:cNvPr>
           <p:cNvPicPr>
-            <a:picLocks noChangeAspect="1"/>
+            <a:picLocks noGrp="1" noChangeAspect="1"/>
           </p:cNvPicPr>
-          <p:nvPr/>
+          <p:nvPr>
+            <p:ph type="pic" sz="quarter" idx="17"/>
+          </p:nvPr>
+        </p:nvPicPr>
+        <p:blipFill rotWithShape="1">
+          <a:blip r:embed="rId3"/>
+          <a:srcRect l="-887" t="-5299" r="5029" b="-5299"/>
+          <a:stretch/>
+        </p:blipFill>
+        <p:spPr>
+          <a:xfrm>
+            <a:off x="548641" y="2667001"/>
+            <a:ext cx="5832000" cy="3543552"/>
+          </a:xfrm>
+          <a:effectLst>
+            <a:outerShdw blurRad="50800" dist="38100" dir="2700000" algn="tl" rotWithShape="0">
+              <a:prstClr val="black">
+                <a:alpha val="40000"/>
+              </a:prstClr>
+            </a:outerShdw>
+          </a:effectLst>
+        </p:spPr>
+      </p:pic>
+      <p:sp>
+        <p:nvSpPr>
+          <p:cNvPr id="9" name="Заголовок 8">
+            <a:extLst>
+              <a:ext uri="{FF2B5EF4-FFF2-40B4-BE49-F238E27FC236}">
+                <a16:creationId xmlns:a16="http://schemas.microsoft.com/office/drawing/2014/main" id="{4ED2AADB-D271-2D7B-3BAE-C1301D028AA4}"/>
+              </a:ext>
+            </a:extLst>
+          </p:cNvPr>
+          <p:cNvSpPr>
+            <a:spLocks noGrp="1"/>
+          </p:cNvSpPr>
+          <p:nvPr>
+            <p:ph type="title"/>
+          </p:nvPr>
+        </p:nvSpPr>
+        <p:spPr/>
+        <p:txBody>
+          <a:bodyPr>
+            <a:normAutofit/>
+          </a:bodyPr>
+          <a:lstStyle/>
+          <a:p>
+            <a:r>
+              <a:rPr lang="ru-RU" sz="2800" dirty="0"/>
+              <a:t>Модуль «Учет преподавательской нагрузки»</a:t>
+            </a:r>
+          </a:p>
+        </p:txBody>
+      </p:sp>
+      <p:pic>
+        <p:nvPicPr>
+          <p:cNvPr id="25" name="Объект 24">
+            <a:extLst>
+              <a:ext uri="{FF2B5EF4-FFF2-40B4-BE49-F238E27FC236}">
+                <a16:creationId xmlns:a16="http://schemas.microsoft.com/office/drawing/2014/main" id="{9E06F188-EFE8-82E0-4CBF-FF9F6CA4F2EC}"/>
+              </a:ext>
+            </a:extLst>
+          </p:cNvPr>
+          <p:cNvPicPr>
+            <a:picLocks noGrp="1" noChangeAspect="1"/>
+          </p:cNvPicPr>
+          <p:nvPr>
+            <p:ph sz="quarter" idx="13"/>
+          </p:nvPr>
         </p:nvPicPr>
         <p:blipFill>
-          <a:blip r:embed="rId3"/>
+          <a:blip r:embed="rId4"/>
           <a:stretch>
             <a:fillRect/>
           </a:stretch>
         </p:blipFill>
         <p:spPr>
           <a:xfrm>
-            <a:off x="8112224" y="2027814"/>
-            <a:ext cx="3642359" cy="2762808"/>
-          </a:xfrm>
-          <a:prstGeom prst="rect">
-            <a:avLst/>
-          </a:prstGeom>
+            <a:off x="6553834" y="2830027"/>
+            <a:ext cx="5089525" cy="3217499"/>
+          </a:xfrm>
+          <a:effectLst>
+            <a:outerShdw blurRad="50800" dist="38100" dir="2700000" algn="tl" rotWithShape="0">
+              <a:prstClr val="black">
+                <a:alpha val="40000"/>
+              </a:prstClr>
+            </a:outerShdw>
+          </a:effectLst>
         </p:spPr>
       </p:pic>
       <p:sp>
         <p:nvSpPr>
-          <p:cNvPr id="9" name="Заголовок 8">
-            <a:extLst>
-              <a:ext uri="{FF2B5EF4-FFF2-40B4-BE49-F238E27FC236}">
-                <a16:creationId xmlns:a16="http://schemas.microsoft.com/office/drawing/2014/main" id="{4ED2AADB-D271-2D7B-3BAE-C1301D028AA4}"/>
-              </a:ext>
-            </a:extLst>
-          </p:cNvPr>
-          <p:cNvSpPr>
-            <a:spLocks noGrp="1"/>
-          </p:cNvSpPr>
-          <p:nvPr>
-            <p:ph type="title"/>
+          <p:cNvPr id="13" name="Объект 12">
+            <a:extLst>
+              <a:ext uri="{FF2B5EF4-FFF2-40B4-BE49-F238E27FC236}">
+                <a16:creationId xmlns:a16="http://schemas.microsoft.com/office/drawing/2014/main" id="{556610ED-3E2D-4E6A-ABD0-150F203E6B46}"/>
+              </a:ext>
+            </a:extLst>
+          </p:cNvPr>
+          <p:cNvSpPr>
+            <a:spLocks noGrp="1"/>
+          </p:cNvSpPr>
+          <p:nvPr>
+            <p:ph type="body" sz="quarter" idx="16"/>
           </p:nvPr>
         </p:nvSpPr>
         <p:spPr/>
         <p:txBody>
-          <a:bodyPr>
+          <a:bodyPr rtlCol="0">
             <a:normAutofit/>
           </a:bodyPr>
           <a:lstStyle/>
           <a:p>
-            <a:r>
-              <a:rPr lang="ru-RU" sz="2800" dirty="0"/>
-              <a:t>Модуль «Расписание»</a:t>
+            <a:pPr rtl="0"/>
+            <a:r>
+              <a:rPr lang="ru-RU" sz="1700" noProof="1"/>
+              <a:t>Контроль преподавательской нагрузки учителями</a:t>
             </a:r>
           </a:p>
         </p:txBody>
@@ -33480,42 +33447,6 @@
               <a:t>11</a:t>
             </a:fld>
             <a:endParaRPr lang="ru-RU" noProof="1"/>
-          </a:p>
-        </p:txBody>
-      </p:sp>
-      <p:sp>
-        <p:nvSpPr>
-          <p:cNvPr id="13" name="Объект 12">
-            <a:extLst>
-              <a:ext uri="{FF2B5EF4-FFF2-40B4-BE49-F238E27FC236}">
-                <a16:creationId xmlns:a16="http://schemas.microsoft.com/office/drawing/2014/main" id="{556610ED-3E2D-4E6A-ABD0-150F203E6B46}"/>
-              </a:ext>
-            </a:extLst>
-          </p:cNvPr>
-          <p:cNvSpPr>
-            <a:spLocks noGrp="1"/>
-          </p:cNvSpPr>
-          <p:nvPr>
-            <p:ph type="body" sz="quarter" idx="16"/>
-          </p:nvPr>
-        </p:nvSpPr>
-        <p:spPr>
-          <a:xfrm>
-            <a:off x="548640" y="5542992"/>
-            <a:ext cx="3642359" cy="622312"/>
-          </a:xfrm>
-        </p:spPr>
-        <p:txBody>
-          <a:bodyPr rtlCol="0">
-            <a:normAutofit/>
-          </a:bodyPr>
-          <a:lstStyle/>
-          <a:p>
-            <a:pPr rtl="0"/>
-            <a:r>
-              <a:rPr lang="ru-RU" sz="1700" noProof="1"/>
-              <a:t>Навигация по группам и специальностям</a:t>
-            </a:r>
           </a:p>
         </p:txBody>
       </p:sp>
@@ -33803,7 +33734,7 @@
           <p:nvPr/>
         </p:nvPicPr>
         <p:blipFill>
-          <a:blip r:embed="rId4"/>
+          <a:blip r:embed="rId5"/>
           <a:stretch>
             <a:fillRect/>
           </a:stretch>
@@ -33820,293 +33751,10 @@
       </p:pic>
       <p:pic>
         <p:nvPicPr>
-          <p:cNvPr id="27" name="Рисунок 26">
-            <a:extLst>
-              <a:ext uri="{FF2B5EF4-FFF2-40B4-BE49-F238E27FC236}">
-                <a16:creationId xmlns:a16="http://schemas.microsoft.com/office/drawing/2014/main" id="{5D243995-EBFD-A5C6-D3DE-B1C12B81269A}"/>
-              </a:ext>
-            </a:extLst>
-          </p:cNvPr>
-          <p:cNvPicPr>
-            <a:picLocks noGrp="1" noChangeAspect="1"/>
-          </p:cNvPicPr>
-          <p:nvPr>
-            <p:ph type="pic" sz="quarter" idx="17"/>
-          </p:nvPr>
-        </p:nvPicPr>
-        <p:blipFill rotWithShape="1">
-          <a:blip r:embed="rId5"/>
-          <a:srcRect l="-800" r="-800"/>
-          <a:stretch/>
-        </p:blipFill>
-        <p:spPr>
-          <a:xfrm>
-            <a:off x="533401" y="2057401"/>
-            <a:ext cx="3657599" cy="2762808"/>
-          </a:xfrm>
-        </p:spPr>
-      </p:pic>
-      <p:sp>
-        <p:nvSpPr>
-          <p:cNvPr id="39" name="Текст 15">
-            <a:extLst>
-              <a:ext uri="{FF2B5EF4-FFF2-40B4-BE49-F238E27FC236}">
-                <a16:creationId xmlns:a16="http://schemas.microsoft.com/office/drawing/2014/main" id="{C8195DAF-6644-9C59-E175-248E540E9DF9}"/>
-              </a:ext>
-            </a:extLst>
-          </p:cNvPr>
-          <p:cNvSpPr txBox="1">
-            <a:spLocks/>
-          </p:cNvSpPr>
-          <p:nvPr/>
-        </p:nvSpPr>
-        <p:spPr>
-          <a:xfrm>
-            <a:off x="4260304" y="5513405"/>
-            <a:ext cx="3642359" cy="622312"/>
-          </a:xfrm>
-          <a:prstGeom prst="rect">
-            <a:avLst/>
-          </a:prstGeom>
-          <a:noFill/>
-        </p:spPr>
-        <p:txBody>
-          <a:bodyPr vert="horz" wrap="square" lIns="91440" tIns="45720" rIns="91440" bIns="45720" rtlCol="0" anchor="t">
-            <a:noAutofit/>
-          </a:bodyPr>
-          <a:lstStyle>
-            <a:lvl1pPr marL="0" indent="0" algn="ctr" defTabSz="914400" rtl="0" eaLnBrk="1" latinLnBrk="0" hangingPunct="1">
-              <a:lnSpc>
-                <a:spcPct val="90000"/>
-              </a:lnSpc>
-              <a:spcBef>
-                <a:spcPts val="0"/>
-              </a:spcBef>
-              <a:spcAft>
-                <a:spcPts val="0"/>
-              </a:spcAft>
-              <a:buClr>
-                <a:schemeClr val="accent1"/>
-              </a:buClr>
-              <a:buSzPct val="100000"/>
-              <a:buFont typeface="Arial" panose="020B0604020202020204" pitchFamily="34" charset="0"/>
-              <a:buNone/>
-              <a:defRPr sz="2000" b="1" kern="1200">
-                <a:solidFill>
-                  <a:schemeClr val="tx2"/>
-                </a:solidFill>
-                <a:latin typeface="Calibri" panose="020F0502020204030204" pitchFamily="34" charset="0"/>
-                <a:ea typeface="+mn-ea"/>
-                <a:cs typeface="+mn-cs"/>
-              </a:defRPr>
-            </a:lvl1pPr>
-            <a:lvl2pPr marL="457200" indent="-228600" algn="l" defTabSz="914400" rtl="0" eaLnBrk="1" latinLnBrk="0" hangingPunct="1">
-              <a:lnSpc>
-                <a:spcPct val="90000"/>
-              </a:lnSpc>
-              <a:spcBef>
-                <a:spcPts val="200"/>
-              </a:spcBef>
-              <a:spcAft>
-                <a:spcPts val="400"/>
-              </a:spcAft>
-              <a:buClr>
-                <a:schemeClr val="accent1"/>
-              </a:buClr>
-              <a:buFont typeface="Arial" panose="020B0604020202020204" pitchFamily="34" charset="0"/>
-              <a:buChar char="•"/>
-              <a:defRPr sz="1800" kern="1200">
-                <a:solidFill>
-                  <a:schemeClr val="tx1"/>
-                </a:solidFill>
-                <a:latin typeface="Calibri" panose="020F0502020204030204" pitchFamily="34" charset="0"/>
-                <a:ea typeface="+mn-ea"/>
-                <a:cs typeface="+mn-cs"/>
-              </a:defRPr>
-            </a:lvl2pPr>
-            <a:lvl3pPr marL="685800" indent="-228600" algn="l" defTabSz="914400" rtl="0" eaLnBrk="1" latinLnBrk="0" hangingPunct="1">
-              <a:lnSpc>
-                <a:spcPct val="90000"/>
-              </a:lnSpc>
-              <a:spcBef>
-                <a:spcPts val="200"/>
-              </a:spcBef>
-              <a:spcAft>
-                <a:spcPts val="400"/>
-              </a:spcAft>
-              <a:buClr>
-                <a:schemeClr val="accent1"/>
-              </a:buClr>
-              <a:buFont typeface="Arial" panose="020B0604020202020204" pitchFamily="34" charset="0"/>
-              <a:buChar char="•"/>
-              <a:defRPr sz="1600" kern="1200">
-                <a:solidFill>
-                  <a:schemeClr val="tx1"/>
-                </a:solidFill>
-                <a:latin typeface="Calibri" panose="020F0502020204030204" pitchFamily="34" charset="0"/>
-                <a:ea typeface="+mn-ea"/>
-                <a:cs typeface="+mn-cs"/>
-              </a:defRPr>
-            </a:lvl3pPr>
-            <a:lvl4pPr marL="914400" indent="-228600" algn="l" defTabSz="914400" rtl="0" eaLnBrk="1" latinLnBrk="0" hangingPunct="1">
-              <a:lnSpc>
-                <a:spcPct val="90000"/>
-              </a:lnSpc>
-              <a:spcBef>
-                <a:spcPts val="200"/>
-              </a:spcBef>
-              <a:spcAft>
-                <a:spcPts val="400"/>
-              </a:spcAft>
-              <a:buClr>
-                <a:schemeClr val="accent1"/>
-              </a:buClr>
-              <a:buFont typeface="Arial" panose="020B0604020202020204" pitchFamily="34" charset="0"/>
-              <a:buChar char="•"/>
-              <a:defRPr sz="1400" kern="1200">
-                <a:solidFill>
-                  <a:schemeClr val="tx1"/>
-                </a:solidFill>
-                <a:latin typeface="Calibri" panose="020F0502020204030204" pitchFamily="34" charset="0"/>
-                <a:ea typeface="+mn-ea"/>
-                <a:cs typeface="+mn-cs"/>
-              </a:defRPr>
-            </a:lvl4pPr>
-            <a:lvl5pPr marL="1143000" indent="-228600" algn="l" defTabSz="914400" rtl="0" eaLnBrk="1" latinLnBrk="0" hangingPunct="1">
-              <a:lnSpc>
-                <a:spcPct val="90000"/>
-              </a:lnSpc>
-              <a:spcBef>
-                <a:spcPts val="200"/>
-              </a:spcBef>
-              <a:spcAft>
-                <a:spcPts val="400"/>
-              </a:spcAft>
-              <a:buClr>
-                <a:schemeClr val="accent1"/>
-              </a:buClr>
-              <a:buFont typeface="Arial" panose="020B0604020202020204" pitchFamily="34" charset="0"/>
-              <a:buChar char="•"/>
-              <a:defRPr sz="1400" kern="1200">
-                <a:solidFill>
-                  <a:schemeClr val="tx1"/>
-                </a:solidFill>
-                <a:latin typeface="Calibri" panose="020F0502020204030204" pitchFamily="34" charset="0"/>
-                <a:ea typeface="+mn-ea"/>
-                <a:cs typeface="+mn-cs"/>
-              </a:defRPr>
-            </a:lvl5pPr>
-            <a:lvl6pPr marL="914400" indent="-137160" algn="l" defTabSz="914400" rtl="0" eaLnBrk="1" latinLnBrk="0" hangingPunct="1">
-              <a:lnSpc>
-                <a:spcPct val="90000"/>
-              </a:lnSpc>
-              <a:spcBef>
-                <a:spcPts val="200"/>
-              </a:spcBef>
-              <a:spcAft>
-                <a:spcPts val="400"/>
-              </a:spcAft>
-              <a:buClr>
-                <a:schemeClr val="accent1"/>
-              </a:buClr>
-              <a:buFont typeface="Wingdings 3" pitchFamily="18" charset="2"/>
-              <a:buChar char=""/>
-              <a:defRPr sz="1400" kern="1200">
-                <a:solidFill>
-                  <a:schemeClr val="tx1"/>
-                </a:solidFill>
-                <a:latin typeface="+mn-lt"/>
-                <a:ea typeface="+mn-ea"/>
-                <a:cs typeface="+mn-cs"/>
-              </a:defRPr>
-            </a:lvl6pPr>
-            <a:lvl7pPr marL="1060704" indent="-137160" algn="l" defTabSz="914400" rtl="0" eaLnBrk="1" latinLnBrk="0" hangingPunct="1">
-              <a:lnSpc>
-                <a:spcPct val="90000"/>
-              </a:lnSpc>
-              <a:spcBef>
-                <a:spcPts val="200"/>
-              </a:spcBef>
-              <a:spcAft>
-                <a:spcPts val="400"/>
-              </a:spcAft>
-              <a:buClr>
-                <a:schemeClr val="accent1"/>
-              </a:buClr>
-              <a:buFont typeface="Wingdings 3" pitchFamily="18" charset="2"/>
-              <a:buChar char=""/>
-              <a:defRPr sz="1400" kern="1200">
-                <a:solidFill>
-                  <a:schemeClr val="tx1"/>
-                </a:solidFill>
-                <a:latin typeface="+mn-lt"/>
-                <a:ea typeface="+mn-ea"/>
-                <a:cs typeface="+mn-cs"/>
-              </a:defRPr>
-            </a:lvl7pPr>
-            <a:lvl8pPr marL="1216152" indent="-137160" algn="l" defTabSz="914400" rtl="0" eaLnBrk="1" latinLnBrk="0" hangingPunct="1">
-              <a:lnSpc>
-                <a:spcPct val="90000"/>
-              </a:lnSpc>
-              <a:spcBef>
-                <a:spcPts val="200"/>
-              </a:spcBef>
-              <a:spcAft>
-                <a:spcPts val="400"/>
-              </a:spcAft>
-              <a:buClr>
-                <a:schemeClr val="accent1"/>
-              </a:buClr>
-              <a:buFont typeface="Wingdings 3" pitchFamily="18" charset="2"/>
-              <a:buChar char=""/>
-              <a:defRPr sz="1400" kern="1200">
-                <a:solidFill>
-                  <a:schemeClr val="tx1"/>
-                </a:solidFill>
-                <a:latin typeface="+mn-lt"/>
-                <a:ea typeface="+mn-ea"/>
-                <a:cs typeface="+mn-cs"/>
-              </a:defRPr>
-            </a:lvl8pPr>
-            <a:lvl9pPr marL="1362456" indent="-137160" algn="l" defTabSz="914400" rtl="0" eaLnBrk="1" latinLnBrk="0" hangingPunct="1">
-              <a:lnSpc>
-                <a:spcPct val="90000"/>
-              </a:lnSpc>
-              <a:spcBef>
-                <a:spcPts val="200"/>
-              </a:spcBef>
-              <a:spcAft>
-                <a:spcPts val="400"/>
-              </a:spcAft>
-              <a:buClr>
-                <a:schemeClr val="accent1"/>
-              </a:buClr>
-              <a:buFont typeface="Wingdings 3" pitchFamily="18" charset="2"/>
-              <a:buChar char=""/>
-              <a:defRPr sz="1400" kern="1200">
-                <a:solidFill>
-                  <a:schemeClr val="tx1"/>
-                </a:solidFill>
-                <a:latin typeface="+mn-lt"/>
-                <a:ea typeface="+mn-ea"/>
-                <a:cs typeface="+mn-cs"/>
-              </a:defRPr>
-            </a:lvl9pPr>
-          </a:lstStyle>
-          <a:p>
-            <a:r>
-              <a:rPr lang="ru-RU" sz="1700" dirty="0"/>
-              <a:t>Редактирование штатного расписание</a:t>
-            </a:r>
-          </a:p>
-        </p:txBody>
-      </p:sp>
-      <p:pic>
-        <p:nvPicPr>
-          <p:cNvPr id="41" name="Рисунок 40">
-            <a:extLst>
-              <a:ext uri="{FF2B5EF4-FFF2-40B4-BE49-F238E27FC236}">
-                <a16:creationId xmlns:a16="http://schemas.microsoft.com/office/drawing/2014/main" id="{887C5016-A159-40AB-5DAF-974C6EE31B4C}"/>
+          <p:cNvPr id="33" name="Рисунок 32">
+            <a:extLst>
+              <a:ext uri="{FF2B5EF4-FFF2-40B4-BE49-F238E27FC236}">
+                <a16:creationId xmlns:a16="http://schemas.microsoft.com/office/drawing/2014/main" id="{36D681A6-65D4-3200-F948-B6069BBE3D64}"/>
               </a:ext>
             </a:extLst>
           </p:cNvPr>
@@ -34117,300 +33765,6 @@
         </p:nvPicPr>
         <p:blipFill rotWithShape="1">
           <a:blip r:embed="rId6"/>
-          <a:srcRect l="-800" r="-800"/>
-          <a:stretch/>
-        </p:blipFill>
-        <p:spPr>
-          <a:xfrm>
-            <a:off x="4260304" y="2027814"/>
-            <a:ext cx="3657599" cy="2762808"/>
-          </a:xfrm>
-          <a:prstGeom prst="rect">
-            <a:avLst/>
-          </a:prstGeom>
-          <a:solidFill>
-            <a:schemeClr val="bg1"/>
-          </a:solidFill>
-          <a:effectLst>
-            <a:outerShdw blurRad="50800" dist="38100" dir="2700000" algn="tl" rotWithShape="0">
-              <a:prstClr val="black">
-                <a:alpha val="40000"/>
-              </a:prstClr>
-            </a:outerShdw>
-          </a:effectLst>
-        </p:spPr>
-      </p:pic>
-      <p:sp>
-        <p:nvSpPr>
-          <p:cNvPr id="50" name="Текст 15">
-            <a:extLst>
-              <a:ext uri="{FF2B5EF4-FFF2-40B4-BE49-F238E27FC236}">
-                <a16:creationId xmlns:a16="http://schemas.microsoft.com/office/drawing/2014/main" id="{B4BF3428-E463-23C1-0978-F963D0B66CA5}"/>
-              </a:ext>
-            </a:extLst>
-          </p:cNvPr>
-          <p:cNvSpPr txBox="1">
-            <a:spLocks/>
-          </p:cNvSpPr>
-          <p:nvPr/>
-        </p:nvSpPr>
-        <p:spPr>
-          <a:xfrm>
-            <a:off x="7971968" y="5513405"/>
-            <a:ext cx="3642359" cy="622312"/>
-          </a:xfrm>
-          <a:prstGeom prst="rect">
-            <a:avLst/>
-          </a:prstGeom>
-          <a:noFill/>
-        </p:spPr>
-        <p:txBody>
-          <a:bodyPr vert="horz" wrap="square" lIns="91440" tIns="45720" rIns="91440" bIns="45720" rtlCol="0" anchor="t">
-            <a:noAutofit/>
-          </a:bodyPr>
-          <a:lstStyle>
-            <a:lvl1pPr marL="0" indent="0" algn="ctr" defTabSz="914400" rtl="0" eaLnBrk="1" latinLnBrk="0" hangingPunct="1">
-              <a:lnSpc>
-                <a:spcPct val="90000"/>
-              </a:lnSpc>
-              <a:spcBef>
-                <a:spcPts val="0"/>
-              </a:spcBef>
-              <a:spcAft>
-                <a:spcPts val="0"/>
-              </a:spcAft>
-              <a:buClr>
-                <a:schemeClr val="accent1"/>
-              </a:buClr>
-              <a:buSzPct val="100000"/>
-              <a:buFont typeface="Arial" panose="020B0604020202020204" pitchFamily="34" charset="0"/>
-              <a:buNone/>
-              <a:defRPr sz="2000" b="1" kern="1200">
-                <a:solidFill>
-                  <a:schemeClr val="tx2"/>
-                </a:solidFill>
-                <a:latin typeface="Calibri" panose="020F0502020204030204" pitchFamily="34" charset="0"/>
-                <a:ea typeface="+mn-ea"/>
-                <a:cs typeface="+mn-cs"/>
-              </a:defRPr>
-            </a:lvl1pPr>
-            <a:lvl2pPr marL="457200" indent="-228600" algn="l" defTabSz="914400" rtl="0" eaLnBrk="1" latinLnBrk="0" hangingPunct="1">
-              <a:lnSpc>
-                <a:spcPct val="90000"/>
-              </a:lnSpc>
-              <a:spcBef>
-                <a:spcPts val="200"/>
-              </a:spcBef>
-              <a:spcAft>
-                <a:spcPts val="400"/>
-              </a:spcAft>
-              <a:buClr>
-                <a:schemeClr val="accent1"/>
-              </a:buClr>
-              <a:buFont typeface="Arial" panose="020B0604020202020204" pitchFamily="34" charset="0"/>
-              <a:buChar char="•"/>
-              <a:defRPr sz="1800" kern="1200">
-                <a:solidFill>
-                  <a:schemeClr val="tx1"/>
-                </a:solidFill>
-                <a:latin typeface="Calibri" panose="020F0502020204030204" pitchFamily="34" charset="0"/>
-                <a:ea typeface="+mn-ea"/>
-                <a:cs typeface="+mn-cs"/>
-              </a:defRPr>
-            </a:lvl2pPr>
-            <a:lvl3pPr marL="685800" indent="-228600" algn="l" defTabSz="914400" rtl="0" eaLnBrk="1" latinLnBrk="0" hangingPunct="1">
-              <a:lnSpc>
-                <a:spcPct val="90000"/>
-              </a:lnSpc>
-              <a:spcBef>
-                <a:spcPts val="200"/>
-              </a:spcBef>
-              <a:spcAft>
-                <a:spcPts val="400"/>
-              </a:spcAft>
-              <a:buClr>
-                <a:schemeClr val="accent1"/>
-              </a:buClr>
-              <a:buFont typeface="Arial" panose="020B0604020202020204" pitchFamily="34" charset="0"/>
-              <a:buChar char="•"/>
-              <a:defRPr sz="1600" kern="1200">
-                <a:solidFill>
-                  <a:schemeClr val="tx1"/>
-                </a:solidFill>
-                <a:latin typeface="Calibri" panose="020F0502020204030204" pitchFamily="34" charset="0"/>
-                <a:ea typeface="+mn-ea"/>
-                <a:cs typeface="+mn-cs"/>
-              </a:defRPr>
-            </a:lvl3pPr>
-            <a:lvl4pPr marL="914400" indent="-228600" algn="l" defTabSz="914400" rtl="0" eaLnBrk="1" latinLnBrk="0" hangingPunct="1">
-              <a:lnSpc>
-                <a:spcPct val="90000"/>
-              </a:lnSpc>
-              <a:spcBef>
-                <a:spcPts val="200"/>
-              </a:spcBef>
-              <a:spcAft>
-                <a:spcPts val="400"/>
-              </a:spcAft>
-              <a:buClr>
-                <a:schemeClr val="accent1"/>
-              </a:buClr>
-              <a:buFont typeface="Arial" panose="020B0604020202020204" pitchFamily="34" charset="0"/>
-              <a:buChar char="•"/>
-              <a:defRPr sz="1400" kern="1200">
-                <a:solidFill>
-                  <a:schemeClr val="tx1"/>
-                </a:solidFill>
-                <a:latin typeface="Calibri" panose="020F0502020204030204" pitchFamily="34" charset="0"/>
-                <a:ea typeface="+mn-ea"/>
-                <a:cs typeface="+mn-cs"/>
-              </a:defRPr>
-            </a:lvl4pPr>
-            <a:lvl5pPr marL="1143000" indent="-228600" algn="l" defTabSz="914400" rtl="0" eaLnBrk="1" latinLnBrk="0" hangingPunct="1">
-              <a:lnSpc>
-                <a:spcPct val="90000"/>
-              </a:lnSpc>
-              <a:spcBef>
-                <a:spcPts val="200"/>
-              </a:spcBef>
-              <a:spcAft>
-                <a:spcPts val="400"/>
-              </a:spcAft>
-              <a:buClr>
-                <a:schemeClr val="accent1"/>
-              </a:buClr>
-              <a:buFont typeface="Arial" panose="020B0604020202020204" pitchFamily="34" charset="0"/>
-              <a:buChar char="•"/>
-              <a:defRPr sz="1400" kern="1200">
-                <a:solidFill>
-                  <a:schemeClr val="tx1"/>
-                </a:solidFill>
-                <a:latin typeface="Calibri" panose="020F0502020204030204" pitchFamily="34" charset="0"/>
-                <a:ea typeface="+mn-ea"/>
-                <a:cs typeface="+mn-cs"/>
-              </a:defRPr>
-            </a:lvl5pPr>
-            <a:lvl6pPr marL="914400" indent="-137160" algn="l" defTabSz="914400" rtl="0" eaLnBrk="1" latinLnBrk="0" hangingPunct="1">
-              <a:lnSpc>
-                <a:spcPct val="90000"/>
-              </a:lnSpc>
-              <a:spcBef>
-                <a:spcPts val="200"/>
-              </a:spcBef>
-              <a:spcAft>
-                <a:spcPts val="400"/>
-              </a:spcAft>
-              <a:buClr>
-                <a:schemeClr val="accent1"/>
-              </a:buClr>
-              <a:buFont typeface="Wingdings 3" pitchFamily="18" charset="2"/>
-              <a:buChar char=""/>
-              <a:defRPr sz="1400" kern="1200">
-                <a:solidFill>
-                  <a:schemeClr val="tx1"/>
-                </a:solidFill>
-                <a:latin typeface="+mn-lt"/>
-                <a:ea typeface="+mn-ea"/>
-                <a:cs typeface="+mn-cs"/>
-              </a:defRPr>
-            </a:lvl6pPr>
-            <a:lvl7pPr marL="1060704" indent="-137160" algn="l" defTabSz="914400" rtl="0" eaLnBrk="1" latinLnBrk="0" hangingPunct="1">
-              <a:lnSpc>
-                <a:spcPct val="90000"/>
-              </a:lnSpc>
-              <a:spcBef>
-                <a:spcPts val="200"/>
-              </a:spcBef>
-              <a:spcAft>
-                <a:spcPts val="400"/>
-              </a:spcAft>
-              <a:buClr>
-                <a:schemeClr val="accent1"/>
-              </a:buClr>
-              <a:buFont typeface="Wingdings 3" pitchFamily="18" charset="2"/>
-              <a:buChar char=""/>
-              <a:defRPr sz="1400" kern="1200">
-                <a:solidFill>
-                  <a:schemeClr val="tx1"/>
-                </a:solidFill>
-                <a:latin typeface="+mn-lt"/>
-                <a:ea typeface="+mn-ea"/>
-                <a:cs typeface="+mn-cs"/>
-              </a:defRPr>
-            </a:lvl7pPr>
-            <a:lvl8pPr marL="1216152" indent="-137160" algn="l" defTabSz="914400" rtl="0" eaLnBrk="1" latinLnBrk="0" hangingPunct="1">
-              <a:lnSpc>
-                <a:spcPct val="90000"/>
-              </a:lnSpc>
-              <a:spcBef>
-                <a:spcPts val="200"/>
-              </a:spcBef>
-              <a:spcAft>
-                <a:spcPts val="400"/>
-              </a:spcAft>
-              <a:buClr>
-                <a:schemeClr val="accent1"/>
-              </a:buClr>
-              <a:buFont typeface="Wingdings 3" pitchFamily="18" charset="2"/>
-              <a:buChar char=""/>
-              <a:defRPr sz="1400" kern="1200">
-                <a:solidFill>
-                  <a:schemeClr val="tx1"/>
-                </a:solidFill>
-                <a:latin typeface="+mn-lt"/>
-                <a:ea typeface="+mn-ea"/>
-                <a:cs typeface="+mn-cs"/>
-              </a:defRPr>
-            </a:lvl8pPr>
-            <a:lvl9pPr marL="1362456" indent="-137160" algn="l" defTabSz="914400" rtl="0" eaLnBrk="1" latinLnBrk="0" hangingPunct="1">
-              <a:lnSpc>
-                <a:spcPct val="90000"/>
-              </a:lnSpc>
-              <a:spcBef>
-                <a:spcPts val="200"/>
-              </a:spcBef>
-              <a:spcAft>
-                <a:spcPts val="400"/>
-              </a:spcAft>
-              <a:buClr>
-                <a:schemeClr val="accent1"/>
-              </a:buClr>
-              <a:buFont typeface="Wingdings 3" pitchFamily="18" charset="2"/>
-              <a:buChar char=""/>
-              <a:defRPr sz="1400" kern="1200">
-                <a:solidFill>
-                  <a:schemeClr val="tx1"/>
-                </a:solidFill>
-                <a:latin typeface="+mn-lt"/>
-                <a:ea typeface="+mn-ea"/>
-                <a:cs typeface="+mn-cs"/>
-              </a:defRPr>
-            </a:lvl9pPr>
-          </a:lstStyle>
-          <a:p>
-            <a:r>
-              <a:rPr lang="ru-RU" sz="1700" dirty="0"/>
-              <a:t>Внесение изменений, действующих только в определенный день</a:t>
-            </a:r>
-          </a:p>
-        </p:txBody>
-      </p:sp>
-      <p:pic>
-        <p:nvPicPr>
-          <p:cNvPr id="51" name="Рисунок 50">
-            <a:extLst>
-              <a:ext uri="{FF2B5EF4-FFF2-40B4-BE49-F238E27FC236}">
-                <a16:creationId xmlns:a16="http://schemas.microsoft.com/office/drawing/2014/main" id="{D8A850BB-9FFC-823A-2208-988AB1CD11C1}"/>
-              </a:ext>
-            </a:extLst>
-          </p:cNvPr>
-          <p:cNvPicPr>
-            <a:picLocks noChangeAspect="1"/>
-          </p:cNvPicPr>
-          <p:nvPr/>
-        </p:nvPicPr>
-        <p:blipFill rotWithShape="1">
-          <a:blip r:embed="rId7"/>
           <a:srcRect l="350" t="19416" r="350" b="67962"/>
           <a:stretch/>
         </p:blipFill>
@@ -34470,7 +33824,7 @@
     </p:spTree>
     <p:extLst>
       <p:ext uri="{BB962C8B-B14F-4D97-AF65-F5344CB8AC3E}">
-        <p14:creationId xmlns:p14="http://schemas.microsoft.com/office/powerpoint/2010/main" val="415205984"/>
+        <p14:creationId xmlns:p14="http://schemas.microsoft.com/office/powerpoint/2010/main" val="556093225"/>
       </p:ext>
     </p:extLst>
   </p:cSld>
@@ -34478,7 +33832,7 @@
     <a:masterClrMapping/>
   </p:clrMapOvr>
   <p:transition spd="slow">
-    <p:wipe dir="d"/>
+    <p:wipe dir="r"/>
   </p:transition>
 </p:sld>
 </file>
@@ -35509,10 +34863,10 @@
       </p:sp>
       <p:pic>
         <p:nvPicPr>
-          <p:cNvPr id="15" name="Рисунок 14">
-            <a:extLst>
-              <a:ext uri="{FF2B5EF4-FFF2-40B4-BE49-F238E27FC236}">
-                <a16:creationId xmlns:a16="http://schemas.microsoft.com/office/drawing/2014/main" id="{9D7274A0-AD0C-6413-0422-3127C2614ADA}"/>
+          <p:cNvPr id="51" name="Рисунок 50">
+            <a:extLst>
+              <a:ext uri="{FF2B5EF4-FFF2-40B4-BE49-F238E27FC236}">
+                <a16:creationId xmlns:a16="http://schemas.microsoft.com/office/drawing/2014/main" id="{D8A850BB-9FFC-823A-2208-988AB1CD11C1}"/>
               </a:ext>
             </a:extLst>
           </p:cNvPr>
@@ -35582,7 +34936,7 @@
     </p:spTree>
     <p:extLst>
       <p:ext uri="{BB962C8B-B14F-4D97-AF65-F5344CB8AC3E}">
-        <p14:creationId xmlns:p14="http://schemas.microsoft.com/office/powerpoint/2010/main" val="3978481126"/>
+        <p14:creationId xmlns:p14="http://schemas.microsoft.com/office/powerpoint/2010/main" val="415205984"/>
       </p:ext>
     </p:extLst>
   </p:cSld>
@@ -35590,7 +34944,7 @@
     <a:masterClrMapping/>
   </p:clrMapOvr>
   <p:transition spd="slow">
-    <p:wipe dir="u"/>
+    <p:wipe dir="d"/>
   </p:transition>
 </p:sld>
 </file>
@@ -36140,267 +35494,50 @@
           <a:chExt cx="0" cy="0"/>
         </a:xfrm>
       </p:grpSpPr>
-      <p:pic>
-        <p:nvPicPr>
-          <p:cNvPr id="10" name="Рисунок 9">
-            <a:extLst>
-              <a:ext uri="{FF2B5EF4-FFF2-40B4-BE49-F238E27FC236}">
-                <a16:creationId xmlns:a16="http://schemas.microsoft.com/office/drawing/2014/main" id="{BB599F29-8226-2AAA-7F26-10298A7E60C5}"/>
-              </a:ext>
-            </a:extLst>
-          </p:cNvPr>
-          <p:cNvPicPr>
-            <a:picLocks noGrp="1" noChangeAspect="1"/>
-          </p:cNvPicPr>
-          <p:nvPr>
-            <p:ph type="pic" sz="quarter" idx="17"/>
-          </p:nvPr>
-        </p:nvPicPr>
-        <p:blipFill rotWithShape="1">
-          <a:blip r:embed="rId2"/>
-          <a:srcRect l="6650" t="19514" r="6650" b="106"/>
-          <a:stretch/>
-        </p:blipFill>
-        <p:spPr>
-          <a:xfrm>
-            <a:off x="0" y="0"/>
-            <a:ext cx="12204000" cy="6858000"/>
-          </a:xfrm>
-        </p:spPr>
-      </p:pic>
-      <p:sp>
-        <p:nvSpPr>
-          <p:cNvPr id="5" name="Текст 4">
-            <a:extLst>
-              <a:ext uri="{FF2B5EF4-FFF2-40B4-BE49-F238E27FC236}">
-                <a16:creationId xmlns:a16="http://schemas.microsoft.com/office/drawing/2014/main" id="{BFFEF887-6238-AAE7-5DDF-3AC3F84B4B7E}"/>
-              </a:ext>
-            </a:extLst>
-          </p:cNvPr>
-          <p:cNvSpPr>
-            <a:spLocks noGrp="1"/>
-          </p:cNvSpPr>
-          <p:nvPr>
-            <p:ph type="body" sz="quarter" idx="20"/>
-          </p:nvPr>
-        </p:nvSpPr>
-        <p:spPr>
-          <a:xfrm>
-            <a:off x="4799857" y="2420888"/>
-            <a:ext cx="6840760" cy="4198600"/>
-          </a:xfrm>
-        </p:spPr>
-        <p:txBody>
-          <a:bodyPr/>
-          <a:lstStyle/>
-          <a:p>
-            <a:r>
-              <a:rPr lang="ru-RU" dirty="0"/>
-              <a:t>Основные функции системы</a:t>
-            </a:r>
-          </a:p>
-        </p:txBody>
-      </p:sp>
-      <p:sp>
-        <p:nvSpPr>
-          <p:cNvPr id="3" name="Объект 2">
-            <a:extLst>
-              <a:ext uri="{FF2B5EF4-FFF2-40B4-BE49-F238E27FC236}">
-                <a16:creationId xmlns:a16="http://schemas.microsoft.com/office/drawing/2014/main" id="{813598BD-3D36-05E2-6FB5-D2ECD32D16BC}"/>
-              </a:ext>
-            </a:extLst>
-          </p:cNvPr>
-          <p:cNvSpPr>
-            <a:spLocks noGrp="1"/>
-          </p:cNvSpPr>
-          <p:nvPr>
-            <p:ph sz="quarter" idx="19"/>
-          </p:nvPr>
-        </p:nvSpPr>
-        <p:spPr>
-          <a:xfrm>
-            <a:off x="5000141" y="2539968"/>
-            <a:ext cx="6496459" cy="3960440"/>
-          </a:xfrm>
-        </p:spPr>
+      <p:sp>
+        <p:nvSpPr>
+          <p:cNvPr id="9" name="Заголовок 8">
+            <a:extLst>
+              <a:ext uri="{FF2B5EF4-FFF2-40B4-BE49-F238E27FC236}">
+                <a16:creationId xmlns:a16="http://schemas.microsoft.com/office/drawing/2014/main" id="{4ED2AADB-D271-2D7B-3BAE-C1301D028AA4}"/>
+              </a:ext>
+            </a:extLst>
+          </p:cNvPr>
+          <p:cNvSpPr>
+            <a:spLocks noGrp="1"/>
+          </p:cNvSpPr>
+          <p:nvPr>
+            <p:ph type="title"/>
+          </p:nvPr>
+        </p:nvSpPr>
+        <p:spPr/>
         <p:txBody>
           <a:bodyPr>
             <a:normAutofit/>
           </a:bodyPr>
           <a:lstStyle/>
           <a:p>
-            <a:pPr marL="342900" indent="-342900">
-              <a:buFont typeface="Arial" panose="020B0604020202020204" pitchFamily="34" charset="0"/>
-              <a:buChar char="•"/>
-            </a:pPr>
-            <a:r>
-              <a:rPr lang="ru-RU" sz="2000" dirty="0"/>
-              <a:t>СУБД </a:t>
-            </a:r>
-            <a:r>
-              <a:rPr lang="en-US" sz="2000" dirty="0"/>
-              <a:t>PostgreSQL </a:t>
-            </a:r>
-            <a:r>
-              <a:rPr lang="ru-RU" sz="2000" dirty="0"/>
-              <a:t>версии 14 </a:t>
-            </a:r>
-            <a:r>
-              <a:rPr lang="en-US" sz="2000" dirty="0"/>
-              <a:t>– </a:t>
-            </a:r>
-            <a:r>
-              <a:rPr lang="ru-RU" sz="2000" dirty="0"/>
-              <a:t>открытое программное обеспечение под лицензией «</a:t>
-            </a:r>
-            <a:r>
-              <a:rPr lang="en-US" sz="2000" dirty="0"/>
-              <a:t>PostgreSQL</a:t>
-            </a:r>
-            <a:r>
-              <a:rPr lang="ru-RU" sz="2000" dirty="0"/>
-              <a:t>» (эквивалентно </a:t>
-            </a:r>
-            <a:r>
-              <a:rPr lang="en-US" sz="2000" dirty="0"/>
-              <a:t>MIT)</a:t>
-            </a:r>
-            <a:endParaRPr lang="ru-RU" sz="2000" dirty="0"/>
-          </a:p>
-          <a:p>
-            <a:pPr marL="342900" indent="-342900">
-              <a:buFont typeface="Arial" panose="020B0604020202020204" pitchFamily="34" charset="0"/>
-              <a:buChar char="•"/>
-            </a:pPr>
-            <a:r>
-              <a:rPr lang="ru-RU" sz="2000" dirty="0"/>
-              <a:t>Среда разработки «</a:t>
-            </a:r>
-            <a:r>
-              <a:rPr lang="en-US" sz="2000" dirty="0"/>
-              <a:t>ASP.NET Core 6.0 </a:t>
-            </a:r>
-            <a:r>
-              <a:rPr lang="en-US" sz="2000" dirty="0" err="1"/>
-              <a:t>Blazor</a:t>
-            </a:r>
-            <a:r>
-              <a:rPr lang="ru-RU" sz="2000" dirty="0"/>
-              <a:t>»</a:t>
-            </a:r>
-            <a:r>
-              <a:rPr lang="en-US" sz="2000" dirty="0"/>
-              <a:t> -</a:t>
-            </a:r>
-            <a:r>
-              <a:rPr lang="ru-RU" sz="2000" dirty="0"/>
-              <a:t> лицензия «</a:t>
-            </a:r>
-            <a:r>
-              <a:rPr lang="en-US" sz="2000" dirty="0"/>
-              <a:t>MIT</a:t>
-            </a:r>
-            <a:r>
-              <a:rPr lang="ru-RU" sz="2000" dirty="0"/>
-              <a:t>»</a:t>
-            </a:r>
-          </a:p>
-          <a:p>
-            <a:pPr marL="342900" indent="-342900">
-              <a:buFont typeface="Arial" panose="020B0604020202020204" pitchFamily="34" charset="0"/>
-              <a:buChar char="•"/>
-            </a:pPr>
-            <a:r>
-              <a:rPr lang="ru-RU" sz="2000" dirty="0"/>
-              <a:t>Пакет программных компонентов «</a:t>
-            </a:r>
-            <a:r>
-              <a:rPr lang="en-US" sz="2000" dirty="0" err="1"/>
-              <a:t>MudBlazor</a:t>
-            </a:r>
-            <a:r>
-              <a:rPr lang="ru-RU" sz="2000" dirty="0"/>
-              <a:t>» для среды разработки «</a:t>
-            </a:r>
-            <a:r>
-              <a:rPr lang="en-US" sz="2000" dirty="0"/>
-              <a:t>ASP.NET Core 6.0 </a:t>
-            </a:r>
-            <a:r>
-              <a:rPr lang="en-US" sz="2000" dirty="0" err="1"/>
-              <a:t>Blazor</a:t>
-            </a:r>
-            <a:r>
-              <a:rPr lang="ru-RU" sz="2000" dirty="0"/>
-              <a:t>»</a:t>
-            </a:r>
-            <a:r>
-              <a:rPr lang="en-US" sz="2000" dirty="0"/>
-              <a:t> </a:t>
-            </a:r>
-            <a:r>
-              <a:rPr lang="ru-RU" sz="2000" dirty="0"/>
-              <a:t>- лицензия «</a:t>
-            </a:r>
-            <a:r>
-              <a:rPr lang="en-US" sz="2000" dirty="0"/>
-              <a:t>MIT</a:t>
-            </a:r>
-            <a:r>
-              <a:rPr lang="ru-RU" sz="2000" dirty="0"/>
-              <a:t>»</a:t>
-            </a:r>
-          </a:p>
-          <a:p>
-            <a:pPr marL="342900" indent="-342900">
-              <a:buFont typeface="Arial" panose="020B0604020202020204" pitchFamily="34" charset="0"/>
-              <a:buChar char="•"/>
-            </a:pPr>
-            <a:r>
-              <a:rPr lang="ru-RU" sz="2000" dirty="0"/>
-              <a:t>Пакет программных инструментов для генерации электронных документов «</a:t>
-            </a:r>
-            <a:r>
-              <a:rPr lang="en-US" sz="2000" dirty="0"/>
-              <a:t>Open-XML-SDK</a:t>
-            </a:r>
-            <a:r>
-              <a:rPr lang="ru-RU" sz="2000" dirty="0"/>
-              <a:t>»</a:t>
-            </a:r>
-            <a:r>
-              <a:rPr lang="en-US" sz="2000" dirty="0"/>
-              <a:t> </a:t>
-            </a:r>
-            <a:r>
-              <a:rPr lang="ru-RU" sz="2000" dirty="0"/>
-              <a:t>- лицензия «</a:t>
-            </a:r>
-            <a:r>
-              <a:rPr lang="en-US" sz="2000" dirty="0"/>
-              <a:t>MIT</a:t>
-            </a:r>
-            <a:r>
-              <a:rPr lang="ru-RU" sz="2000" dirty="0"/>
-              <a:t>»</a:t>
-            </a:r>
-          </a:p>
-        </p:txBody>
-      </p:sp>
-      <p:sp>
-        <p:nvSpPr>
-          <p:cNvPr id="6" name="Номер слайда 5">
-            <a:extLst>
-              <a:ext uri="{FF2B5EF4-FFF2-40B4-BE49-F238E27FC236}">
-                <a16:creationId xmlns:a16="http://schemas.microsoft.com/office/drawing/2014/main" id="{BC4C9643-E21D-FE11-3FFC-73AADBB353A9}"/>
-              </a:ext>
-            </a:extLst>
-          </p:cNvPr>
-          <p:cNvSpPr>
-            <a:spLocks noGrp="1"/>
-          </p:cNvSpPr>
-          <p:nvPr>
-            <p:ph type="sldNum" sz="quarter" idx="4"/>
+            <a:r>
+              <a:rPr lang="ru-RU" sz="2800" dirty="0"/>
+              <a:t>Итог</a:t>
+            </a:r>
+          </a:p>
+        </p:txBody>
+      </p:sp>
+      <p:sp>
+        <p:nvSpPr>
+          <p:cNvPr id="3" name="Объект 2">
+            <a:extLst>
+              <a:ext uri="{FF2B5EF4-FFF2-40B4-BE49-F238E27FC236}">
+                <a16:creationId xmlns:a16="http://schemas.microsoft.com/office/drawing/2014/main" id="{42A62A72-669D-C68C-DF31-246931B0B65B}"/>
+              </a:ext>
+            </a:extLst>
+          </p:cNvPr>
+          <p:cNvSpPr>
+            <a:spLocks noGrp="1"/>
+          </p:cNvSpPr>
+          <p:nvPr>
+            <p:ph sz="quarter" idx="13"/>
           </p:nvPr>
         </p:nvSpPr>
         <p:spPr/>
@@ -36408,170 +35545,6 @@
           <a:bodyPr/>
           <a:lstStyle/>
           <a:p>
-            <a:fld id="{4FAB73BC-B049-4115-A692-8D63A059BFB8}" type="slidenum">
-              <a:rPr lang="ru-RU" smtClean="0"/>
-              <a:pPr/>
-              <a:t>14</a:t>
-            </a:fld>
-            <a:endParaRPr lang="ru-RU"/>
-          </a:p>
-        </p:txBody>
-      </p:sp>
-      <p:sp>
-        <p:nvSpPr>
-          <p:cNvPr id="2" name="Заголовок 1">
-            <a:extLst>
-              <a:ext uri="{FF2B5EF4-FFF2-40B4-BE49-F238E27FC236}">
-                <a16:creationId xmlns:a16="http://schemas.microsoft.com/office/drawing/2014/main" id="{61BECA7F-B2BA-948F-5560-02951B277E68}"/>
-              </a:ext>
-            </a:extLst>
-          </p:cNvPr>
-          <p:cNvSpPr>
-            <a:spLocks noGrp="1"/>
-          </p:cNvSpPr>
-          <p:nvPr>
-            <p:ph type="title"/>
-          </p:nvPr>
-        </p:nvSpPr>
-        <p:spPr>
-          <a:xfrm>
-            <a:off x="548640" y="764704"/>
-            <a:ext cx="8931736" cy="1071736"/>
-          </a:xfrm>
-        </p:spPr>
-        <p:txBody>
-          <a:bodyPr>
-            <a:noAutofit/>
-          </a:bodyPr>
-          <a:lstStyle/>
-          <a:p>
-            <a:r>
-              <a:rPr lang="ru-RU" sz="3600" dirty="0">
-                <a:solidFill>
-                  <a:schemeClr val="bg1">
-                    <a:lumMod val="95000"/>
-                  </a:schemeClr>
-                </a:solidFill>
-              </a:rPr>
-              <a:t>Использованные информационные технологии</a:t>
-            </a:r>
-          </a:p>
-        </p:txBody>
-      </p:sp>
-      <p:pic>
-        <p:nvPicPr>
-          <p:cNvPr id="11" name="Рисунок 10">
-            <a:extLst>
-              <a:ext uri="{FF2B5EF4-FFF2-40B4-BE49-F238E27FC236}">
-                <a16:creationId xmlns:a16="http://schemas.microsoft.com/office/drawing/2014/main" id="{CC1AE3FC-4BE2-B236-E4EE-6C1967C89A86}"/>
-              </a:ext>
-            </a:extLst>
-          </p:cNvPr>
-          <p:cNvPicPr>
-            <a:picLocks noChangeAspect="1"/>
-          </p:cNvPicPr>
-          <p:nvPr/>
-        </p:nvPicPr>
-        <p:blipFill>
-          <a:blip r:embed="rId3"/>
-          <a:stretch>
-            <a:fillRect/>
-          </a:stretch>
-        </p:blipFill>
-        <p:spPr>
-          <a:xfrm>
-            <a:off x="9840416" y="179647"/>
-            <a:ext cx="2107850" cy="2204419"/>
-          </a:xfrm>
-          <a:prstGeom prst="rect">
-            <a:avLst/>
-          </a:prstGeom>
-        </p:spPr>
-      </p:pic>
-    </p:spTree>
-    <p:extLst>
-      <p:ext uri="{BB962C8B-B14F-4D97-AF65-F5344CB8AC3E}">
-        <p14:creationId xmlns:p14="http://schemas.microsoft.com/office/powerpoint/2010/main" val="3423006144"/>
-      </p:ext>
-    </p:extLst>
-  </p:cSld>
-  <p:clrMapOvr>
-    <a:masterClrMapping/>
-  </p:clrMapOvr>
-  <p:transition spd="slow">
-    <p:wipe dir="r"/>
-  </p:transition>
-</p:sld>
-</file>
-
-<file path=ppt/slides/slide15.xml><?xml version="1.0" encoding="utf-8"?>
-<p:sld xmlns:a="http://schemas.openxmlformats.org/drawingml/2006/main" xmlns:r="http://schemas.openxmlformats.org/officeDocument/2006/relationships" xmlns:p="http://schemas.openxmlformats.org/presentationml/2006/main">
-  <p:cSld>
-    <p:spTree>
-      <p:nvGrpSpPr>
-        <p:cNvPr id="1" name=""/>
-        <p:cNvGrpSpPr/>
-        <p:nvPr/>
-      </p:nvGrpSpPr>
-      <p:grpSpPr>
-        <a:xfrm>
-          <a:off x="0" y="0"/>
-          <a:ext cx="0" cy="0"/>
-          <a:chOff x="0" y="0"/>
-          <a:chExt cx="0" cy="0"/>
-        </a:xfrm>
-      </p:grpSpPr>
-      <p:sp>
-        <p:nvSpPr>
-          <p:cNvPr id="9" name="Заголовок 8">
-            <a:extLst>
-              <a:ext uri="{FF2B5EF4-FFF2-40B4-BE49-F238E27FC236}">
-                <a16:creationId xmlns:a16="http://schemas.microsoft.com/office/drawing/2014/main" id="{4ED2AADB-D271-2D7B-3BAE-C1301D028AA4}"/>
-              </a:ext>
-            </a:extLst>
-          </p:cNvPr>
-          <p:cNvSpPr>
-            <a:spLocks noGrp="1"/>
-          </p:cNvSpPr>
-          <p:nvPr>
-            <p:ph type="title"/>
-          </p:nvPr>
-        </p:nvSpPr>
-        <p:spPr/>
-        <p:txBody>
-          <a:bodyPr>
-            <a:normAutofit/>
-          </a:bodyPr>
-          <a:lstStyle/>
-          <a:p>
-            <a:r>
-              <a:rPr lang="ru-RU" sz="2800" dirty="0"/>
-              <a:t>Итог</a:t>
-            </a:r>
-          </a:p>
-        </p:txBody>
-      </p:sp>
-      <p:sp>
-        <p:nvSpPr>
-          <p:cNvPr id="3" name="Объект 2">
-            <a:extLst>
-              <a:ext uri="{FF2B5EF4-FFF2-40B4-BE49-F238E27FC236}">
-                <a16:creationId xmlns:a16="http://schemas.microsoft.com/office/drawing/2014/main" id="{42A62A72-669D-C68C-DF31-246931B0B65B}"/>
-              </a:ext>
-            </a:extLst>
-          </p:cNvPr>
-          <p:cNvSpPr>
-            <a:spLocks noGrp="1"/>
-          </p:cNvSpPr>
-          <p:nvPr>
-            <p:ph sz="quarter" idx="13"/>
-          </p:nvPr>
-        </p:nvSpPr>
-        <p:spPr/>
-        <p:txBody>
-          <a:bodyPr/>
-          <a:lstStyle/>
-          <a:p>
             <a:r>
               <a:rPr lang="ru-RU" dirty="0"/>
               <a:t>Легкий в повседневной работе пользовательский интерфейс</a:t>
@@ -36586,13 +35559,13 @@
           <a:p>
             <a:r>
               <a:rPr lang="ru-RU" dirty="0"/>
-              <a:t>Расширение возможности интеграции посредством паттерна проектирования программного обеспечения «Разделяемая база данных»</a:t>
+              <a:t>Расширение возможности интеграции «Разделяемая база данных»</a:t>
             </a:r>
           </a:p>
           <a:p>
             <a:r>
               <a:rPr lang="ru-RU" dirty="0"/>
-              <a:t>Снижение вероятностей человеку совершить ошибку, влекущую за собой потерю ресурсов (времени, материальных ресурсов)</a:t>
+              <a:t>Снижение влияния человеческого фактора</a:t>
             </a:r>
           </a:p>
           <a:p>
@@ -36700,7 +35673,7 @@
             <a:fld id="{4FAB73BC-B049-4115-A692-8D63A059BFB8}" type="slidenum">
               <a:rPr lang="ru-RU" noProof="1" smtClean="0"/>
               <a:pPr rtl="0"/>
-              <a:t>15</a:t>
+              <a:t>14</a:t>
             </a:fld>
             <a:endParaRPr lang="ru-RU" noProof="1"/>
           </a:p>
@@ -37103,7 +36076,7 @@
 </p:sld>
 </file>
 
-<file path=ppt/slides/slide16.xml><?xml version="1.0" encoding="utf-8"?>
+<file path=ppt/slides/slide15.xml><?xml version="1.0" encoding="utf-8"?>
 <p:sld xmlns:a="http://schemas.openxmlformats.org/drawingml/2006/main" xmlns:r="http://schemas.openxmlformats.org/officeDocument/2006/relationships" xmlns:p="http://schemas.openxmlformats.org/presentationml/2006/main">
   <p:cSld>
     <p:spTree>
@@ -37258,7 +36231,7 @@
             <a:fld id="{4FAB73BC-B049-4115-A692-8D63A059BFB8}" type="slidenum">
               <a:rPr lang="ru-RU" smtClean="0"/>
               <a:pPr/>
-              <a:t>16</a:t>
+              <a:t>15</a:t>
             </a:fld>
             <a:endParaRPr lang="ru-RU"/>
           </a:p>
@@ -37488,7 +36461,7 @@
             </a:pPr>
             <a:r>
               <a:rPr lang="ru-RU" noProof="1"/>
-              <a:t>Система «Техникум» - Информационная система предназначенная для автоматизации некоторых составляющих учебного процесса в учреждения среднего профессионального образования, таких как ГАПОУ «ОНТ Им. В.А. Сорокина». Разрабатывается с целью усовершенствования контроля над процессами и увеличении прозрачности основных потоков информацинонных данных. Упрощает прием студентов, учет преподавательской нагрузки и формирование расписания занятий.</a:t>
+              <a:t>Система «Техникум» - Информационная система предназначенная для автоматизации некоторых составляющих учебного процесса в учреждения среднего профессионального образования, таких как ГАПОУ «ОНТ Им. В.А. Сорокина». Разрабатывается с целью облегчения работы педагогов и администрации, а также совершенствования образовательного опыта студентов. Упрощает прием студентов, учет преподавательской нагрузки и формирование расписания занятий.</a:t>
             </a:r>
           </a:p>
         </p:txBody>
@@ -37943,7 +36916,7 @@
           <a:p>
             <a:r>
               <a:rPr lang="ru-RU" dirty="0"/>
-              <a:t>Модули</a:t>
+              <a:t>Функционал</a:t>
             </a:r>
           </a:p>
         </p:txBody>
@@ -37971,26 +36944,91 @@
           <a:p>
             <a:r>
               <a:rPr lang="ru-RU" dirty="0"/>
-              <a:t>Модуль «Управление пользователями» - пользователи, авторизация и блокировка пользователей.</a:t>
+              <a:t>Уменьшает вероятность допущения ошибки при составлении расписания занятий в техникуме и внесении изменений в расписание.</a:t>
             </a:r>
           </a:p>
           <a:p>
             <a:r>
               <a:rPr lang="ru-RU" dirty="0"/>
-              <a:t>Модуль «Приемная комиссия» - данные абитуриентов, группы.</a:t>
-            </a:r>
-          </a:p>
-          <a:p>
-            <a:r>
-              <a:rPr lang="ru-RU" dirty="0"/>
-              <a:t>Модуль «Учет преподавательской нагрузки» - план нагрузки и часы преподавания.</a:t>
-            </a:r>
-          </a:p>
-          <a:p>
-            <a:r>
-              <a:rPr lang="ru-RU" dirty="0"/>
-              <a:t>Модуль «Расписание» - расписание занятий в техникуме и аудиторный фонд.</a:t>
-            </a:r>
+              <a:t>Предоставляет различные форматы отображения расписания в системе.</a:t>
+            </a:r>
+          </a:p>
+          <a:p>
+            <a:r>
+              <a:rPr lang="ru-RU" dirty="0">
+                <a:solidFill>
+                  <a:srgbClr val="000000"/>
+                </a:solidFill>
+              </a:rPr>
+              <a:t>У</a:t>
+            </a:r>
+            <a:r>
+              <a:rPr lang="ru-RU" kern="1200" dirty="0">
+                <a:solidFill>
+                  <a:srgbClr val="000000"/>
+                </a:solidFill>
+                <a:effectLst/>
+                <a:latin typeface="Calibri" panose="020F0502020204030204" pitchFamily="34" charset="0"/>
+                <a:ea typeface="+mn-ea"/>
+                <a:cs typeface="+mn-cs"/>
+              </a:rPr>
+              <a:t>прощает работу учителей, позволяя им вести учет преподавательской нагрузки.</a:t>
+            </a:r>
+          </a:p>
+          <a:p>
+            <a:r>
+              <a:rPr lang="ru-RU" dirty="0">
+                <a:solidFill>
+                  <a:srgbClr val="000000"/>
+                </a:solidFill>
+              </a:rPr>
+              <a:t>Помогает членам приемной комиссии заносить</a:t>
+            </a:r>
+            <a:r>
+              <a:rPr lang="ru-RU" kern="1200" dirty="0">
+                <a:solidFill>
+                  <a:srgbClr val="000000"/>
+                </a:solidFill>
+                <a:effectLst/>
+                <a:latin typeface="Calibri" panose="020F0502020204030204" pitchFamily="34" charset="0"/>
+                <a:ea typeface="+mn-ea"/>
+                <a:cs typeface="+mn-cs"/>
+              </a:rPr>
+              <a:t> в систему данные абитуриентов, производить отбор и зачисление их в техникум в качестве студентов.</a:t>
+            </a:r>
+            <a:endParaRPr lang="ru-RU" dirty="0">
+              <a:solidFill>
+                <a:srgbClr val="000000"/>
+              </a:solidFill>
+            </a:endParaRPr>
+          </a:p>
+          <a:p>
+            <a:r>
+              <a:rPr lang="ru-RU" dirty="0">
+                <a:solidFill>
+                  <a:srgbClr val="000000"/>
+                </a:solidFill>
+              </a:rPr>
+              <a:t>П</a:t>
+            </a:r>
+            <a:r>
+              <a:rPr lang="ru-RU" kern="1200" dirty="0">
+                <a:solidFill>
+                  <a:srgbClr val="000000"/>
+                </a:solidFill>
+                <a:effectLst/>
+                <a:latin typeface="Calibri" panose="020F0502020204030204" pitchFamily="34" charset="0"/>
+                <a:ea typeface="+mn-ea"/>
+                <a:cs typeface="+mn-cs"/>
+              </a:rPr>
+              <a:t>озволяет администраторам  контролировать доступ к функциональности системы.</a:t>
+            </a:r>
+            <a:endParaRPr lang="ru-RU" dirty="0">
+              <a:effectLst/>
+            </a:endParaRPr>
+          </a:p>
+          <a:p>
+            <a:endParaRPr lang="ru-RU" dirty="0"/>
           </a:p>
         </p:txBody>
       </p:sp>
@@ -38050,7 +37088,7 @@
           <a:p>
             <a:r>
               <a:rPr lang="ru-RU" dirty="0"/>
-              <a:t>Составные части системы</a:t>
+              <a:t>Основные функции системы</a:t>
             </a:r>
           </a:p>
         </p:txBody>
@@ -38118,7 +37156,7 @@
     </p:spTree>
     <p:extLst>
       <p:ext uri="{BB962C8B-B14F-4D97-AF65-F5344CB8AC3E}">
-        <p14:creationId xmlns:p14="http://schemas.microsoft.com/office/powerpoint/2010/main" val="2866229834"/>
+        <p14:creationId xmlns:p14="http://schemas.microsoft.com/office/powerpoint/2010/main" val="2304387653"/>
       </p:ext>
     </p:extLst>
   </p:cSld>
@@ -38126,7 +37164,7 @@
     <a:masterClrMapping/>
   </p:clrMapOvr>
   <p:transition spd="slow">
-    <p:strips dir="ld"/>
+    <p:strips dir="rd"/>
   </p:transition>
 </p:sld>
 </file>
@@ -38148,150 +37186,6 @@
           <a:chExt cx="0" cy="0"/>
         </a:xfrm>
       </p:grpSpPr>
-      <p:sp>
-        <p:nvSpPr>
-          <p:cNvPr id="2" name="Заголовок 1">
-            <a:extLst>
-              <a:ext uri="{FF2B5EF4-FFF2-40B4-BE49-F238E27FC236}">
-                <a16:creationId xmlns:a16="http://schemas.microsoft.com/office/drawing/2014/main" id="{61BECA7F-B2BA-948F-5560-02951B277E68}"/>
-              </a:ext>
-            </a:extLst>
-          </p:cNvPr>
-          <p:cNvSpPr>
-            <a:spLocks noGrp="1"/>
-          </p:cNvSpPr>
-          <p:nvPr>
-            <p:ph type="title"/>
-          </p:nvPr>
-        </p:nvSpPr>
-        <p:spPr>
-          <a:xfrm>
-            <a:off x="548640" y="990600"/>
-            <a:ext cx="7780646" cy="707886"/>
-          </a:xfrm>
-        </p:spPr>
-        <p:txBody>
-          <a:bodyPr/>
-          <a:lstStyle/>
-          <a:p>
-            <a:r>
-              <a:rPr lang="ru-RU" dirty="0"/>
-              <a:t>Функционал</a:t>
-            </a:r>
-          </a:p>
-        </p:txBody>
-      </p:sp>
-      <p:sp>
-        <p:nvSpPr>
-          <p:cNvPr id="3" name="Объект 2">
-            <a:extLst>
-              <a:ext uri="{FF2B5EF4-FFF2-40B4-BE49-F238E27FC236}">
-                <a16:creationId xmlns:a16="http://schemas.microsoft.com/office/drawing/2014/main" id="{813598BD-3D36-05E2-6FB5-D2ECD32D16BC}"/>
-              </a:ext>
-            </a:extLst>
-          </p:cNvPr>
-          <p:cNvSpPr>
-            <a:spLocks noGrp="1"/>
-          </p:cNvSpPr>
-          <p:nvPr>
-            <p:ph sz="quarter" idx="13"/>
-          </p:nvPr>
-        </p:nvSpPr>
-        <p:spPr/>
-        <p:txBody>
-          <a:bodyPr/>
-          <a:lstStyle/>
-          <a:p>
-            <a:r>
-              <a:rPr lang="ru-RU" dirty="0"/>
-              <a:t>Уменьшает вероятность допущения ошибки при составлении расписания занятий в техникуме и внесении изменений в расписание.</a:t>
-            </a:r>
-          </a:p>
-          <a:p>
-            <a:r>
-              <a:rPr lang="ru-RU" dirty="0"/>
-              <a:t>Предоставляет различные форматы отображения расписания в системе.</a:t>
-            </a:r>
-          </a:p>
-          <a:p>
-            <a:r>
-              <a:rPr lang="ru-RU" dirty="0">
-                <a:solidFill>
-                  <a:srgbClr val="000000"/>
-                </a:solidFill>
-              </a:rPr>
-              <a:t>У</a:t>
-            </a:r>
-            <a:r>
-              <a:rPr lang="ru-RU" kern="1200" dirty="0">
-                <a:solidFill>
-                  <a:srgbClr val="000000"/>
-                </a:solidFill>
-                <a:effectLst/>
-                <a:latin typeface="Calibri" panose="020F0502020204030204" pitchFamily="34" charset="0"/>
-                <a:ea typeface="+mn-ea"/>
-                <a:cs typeface="+mn-cs"/>
-              </a:rPr>
-              <a:t>прощает работу учителей, позволяя им вести учет преподавательской нагрузки.</a:t>
-            </a:r>
-          </a:p>
-          <a:p>
-            <a:r>
-              <a:rPr lang="ru-RU" dirty="0">
-                <a:solidFill>
-                  <a:srgbClr val="000000"/>
-                </a:solidFill>
-              </a:rPr>
-              <a:t>Помогает членам приемной комиссии заносить</a:t>
-            </a:r>
-            <a:r>
-              <a:rPr lang="ru-RU" kern="1200" dirty="0">
-                <a:solidFill>
-                  <a:srgbClr val="000000"/>
-                </a:solidFill>
-                <a:effectLst/>
-                <a:latin typeface="Calibri" panose="020F0502020204030204" pitchFamily="34" charset="0"/>
-                <a:ea typeface="+mn-ea"/>
-                <a:cs typeface="+mn-cs"/>
-              </a:rPr>
-              <a:t> в систему данные абитуриентов, производить отбор и зачисление их в техникум в качестве студентов.</a:t>
-            </a:r>
-            <a:endParaRPr lang="ru-RU" dirty="0">
-              <a:solidFill>
-                <a:srgbClr val="000000"/>
-              </a:solidFill>
-            </a:endParaRPr>
-          </a:p>
-          <a:p>
-            <a:r>
-              <a:rPr lang="ru-RU" dirty="0">
-                <a:solidFill>
-                  <a:srgbClr val="000000"/>
-                </a:solidFill>
-              </a:rPr>
-              <a:t>П</a:t>
-            </a:r>
-            <a:r>
-              <a:rPr lang="ru-RU" kern="1200" dirty="0">
-                <a:solidFill>
-                  <a:srgbClr val="000000"/>
-                </a:solidFill>
-                <a:effectLst/>
-                <a:latin typeface="Calibri" panose="020F0502020204030204" pitchFamily="34" charset="0"/>
-                <a:ea typeface="+mn-ea"/>
-                <a:cs typeface="+mn-cs"/>
-              </a:rPr>
-              <a:t>озволяет администраторам  контролировать доступ к функциональности системы.</a:t>
-            </a:r>
-            <a:endParaRPr lang="ru-RU" dirty="0">
-              <a:effectLst/>
-            </a:endParaRPr>
-          </a:p>
-          <a:p>
-            <a:endParaRPr lang="ru-RU" dirty="0"/>
-          </a:p>
-        </p:txBody>
-      </p:sp>
       <p:pic>
         <p:nvPicPr>
           <p:cNvPr id="10" name="Рисунок 9">
@@ -38305,18 +37199,18 @@
             <a:picLocks noGrp="1" noChangeAspect="1"/>
           </p:cNvPicPr>
           <p:nvPr>
-            <p:ph type="pic" sz="quarter" idx="15"/>
+            <p:ph type="pic" sz="quarter" idx="17"/>
           </p:nvPr>
         </p:nvPicPr>
         <p:blipFill rotWithShape="1">
           <a:blip r:embed="rId2"/>
-          <a:srcRect l="350" t="19416" r="350" b="67962"/>
+          <a:srcRect l="6650" t="19514" r="6650" b="106"/>
           <a:stretch/>
         </p:blipFill>
         <p:spPr>
           <a:xfrm>
-            <a:off x="0" y="-27384"/>
-            <a:ext cx="8329286" cy="468000"/>
+            <a:off x="0" y="0"/>
+            <a:ext cx="12204000" cy="6858000"/>
           </a:xfrm>
         </p:spPr>
       </p:pic>
@@ -38333,13 +37227,13 @@
             <a:spLocks noGrp="1"/>
           </p:cNvSpPr>
           <p:nvPr>
-            <p:ph type="body" sz="quarter" idx="16"/>
-          </p:nvPr>
-        </p:nvSpPr>
-        <p:spPr>
-          <a:xfrm>
-            <a:off x="-1" y="1676400"/>
-            <a:ext cx="8329287" cy="424732"/>
+            <p:ph type="body" sz="quarter" idx="20"/>
+          </p:nvPr>
+        </p:nvSpPr>
+        <p:spPr>
+          <a:xfrm>
+            <a:off x="4799857" y="2420888"/>
+            <a:ext cx="6840760" cy="4198600"/>
           </a:xfrm>
         </p:spPr>
         <p:txBody>
@@ -38349,6 +37243,192 @@
             <a:r>
               <a:rPr lang="ru-RU" dirty="0"/>
               <a:t>Основные функции системы</a:t>
+            </a:r>
+          </a:p>
+        </p:txBody>
+      </p:sp>
+      <p:sp>
+        <p:nvSpPr>
+          <p:cNvPr id="3" name="Объект 2">
+            <a:extLst>
+              <a:ext uri="{FF2B5EF4-FFF2-40B4-BE49-F238E27FC236}">
+                <a16:creationId xmlns:a16="http://schemas.microsoft.com/office/drawing/2014/main" id="{813598BD-3D36-05E2-6FB5-D2ECD32D16BC}"/>
+              </a:ext>
+            </a:extLst>
+          </p:cNvPr>
+          <p:cNvSpPr>
+            <a:spLocks noGrp="1"/>
+          </p:cNvSpPr>
+          <p:nvPr>
+            <p:ph sz="quarter" idx="19"/>
+          </p:nvPr>
+        </p:nvSpPr>
+        <p:spPr>
+          <a:xfrm>
+            <a:off x="5000141" y="2539968"/>
+            <a:ext cx="6496459" cy="3960440"/>
+          </a:xfrm>
+        </p:spPr>
+        <p:txBody>
+          <a:bodyPr>
+            <a:normAutofit/>
+          </a:bodyPr>
+          <a:lstStyle/>
+          <a:p>
+            <a:pPr marL="342900" indent="-342900">
+              <a:buFont typeface="Arial" panose="020B0604020202020204" pitchFamily="34" charset="0"/>
+              <a:buChar char="•"/>
+            </a:pPr>
+            <a:r>
+              <a:rPr lang="ru-RU" sz="2000" dirty="0"/>
+              <a:t>СУБД </a:t>
+            </a:r>
+            <a:r>
+              <a:rPr lang="en-US" sz="2000" dirty="0"/>
+              <a:t>PostgreSQL </a:t>
+            </a:r>
+            <a:r>
+              <a:rPr lang="ru-RU" sz="2000" dirty="0"/>
+              <a:t>версии 14 </a:t>
+            </a:r>
+            <a:r>
+              <a:rPr lang="en-US" sz="2000" dirty="0"/>
+              <a:t>– </a:t>
+            </a:r>
+            <a:r>
+              <a:rPr lang="ru-RU" sz="2000" dirty="0"/>
+              <a:t>открытое программное обеспечение под лицензией «</a:t>
+            </a:r>
+            <a:r>
+              <a:rPr lang="en-US" sz="2000" dirty="0"/>
+              <a:t>PostgreSQL</a:t>
+            </a:r>
+            <a:r>
+              <a:rPr lang="ru-RU" sz="2000" dirty="0"/>
+              <a:t>» (эквивалентно </a:t>
+            </a:r>
+            <a:r>
+              <a:rPr lang="en-US" sz="2000" dirty="0"/>
+              <a:t>MIT)</a:t>
+            </a:r>
+            <a:endParaRPr lang="ru-RU" sz="2000" dirty="0"/>
+          </a:p>
+          <a:p>
+            <a:pPr marL="342900" indent="-342900">
+              <a:buFont typeface="Arial" panose="020B0604020202020204" pitchFamily="34" charset="0"/>
+              <a:buChar char="•"/>
+            </a:pPr>
+            <a:r>
+              <a:rPr lang="ru-RU" sz="2000" dirty="0"/>
+              <a:t>Среда разработки «</a:t>
+            </a:r>
+            <a:r>
+              <a:rPr lang="en-US" sz="2000" dirty="0"/>
+              <a:t>ASP.NET Core 6.0 </a:t>
+            </a:r>
+            <a:r>
+              <a:rPr lang="en-US" sz="2000" dirty="0" err="1"/>
+              <a:t>Blazor</a:t>
+            </a:r>
+            <a:r>
+              <a:rPr lang="ru-RU" sz="2000" dirty="0"/>
+              <a:t>»</a:t>
+            </a:r>
+            <a:r>
+              <a:rPr lang="en-US" sz="2000" dirty="0"/>
+              <a:t> -</a:t>
+            </a:r>
+            <a:r>
+              <a:rPr lang="ru-RU" sz="2000" dirty="0"/>
+              <a:t> лицензия «</a:t>
+            </a:r>
+            <a:r>
+              <a:rPr lang="en-US" sz="2000" dirty="0"/>
+              <a:t>MIT</a:t>
+            </a:r>
+            <a:r>
+              <a:rPr lang="ru-RU" sz="2000" dirty="0"/>
+              <a:t>»</a:t>
+            </a:r>
+          </a:p>
+          <a:p>
+            <a:pPr marL="342900" indent="-342900">
+              <a:buFont typeface="Arial" panose="020B0604020202020204" pitchFamily="34" charset="0"/>
+              <a:buChar char="•"/>
+            </a:pPr>
+            <a:r>
+              <a:rPr lang="ru-RU" sz="2000" dirty="0"/>
+              <a:t>Пакет программных компонентов «</a:t>
+            </a:r>
+            <a:r>
+              <a:rPr lang="en-US" sz="2000" dirty="0" err="1"/>
+              <a:t>MudBlazor</a:t>
+            </a:r>
+            <a:r>
+              <a:rPr lang="ru-RU" sz="2000" dirty="0"/>
+              <a:t>» для среды разработки «</a:t>
+            </a:r>
+            <a:r>
+              <a:rPr lang="en-US" sz="2000" dirty="0"/>
+              <a:t>ASP.NET Core 6.0 </a:t>
+            </a:r>
+            <a:r>
+              <a:rPr lang="en-US" sz="2000" dirty="0" err="1"/>
+              <a:t>Blazor</a:t>
+            </a:r>
+            <a:r>
+              <a:rPr lang="ru-RU" sz="2000" dirty="0"/>
+              <a:t>»</a:t>
+            </a:r>
+            <a:r>
+              <a:rPr lang="en-US" sz="2000" dirty="0"/>
+              <a:t> </a:t>
+            </a:r>
+            <a:r>
+              <a:rPr lang="ru-RU" sz="2000" dirty="0"/>
+              <a:t>- лицензия «</a:t>
+            </a:r>
+            <a:r>
+              <a:rPr lang="en-US" sz="2000" dirty="0"/>
+              <a:t>MIT</a:t>
+            </a:r>
+            <a:r>
+              <a:rPr lang="ru-RU" sz="2000" dirty="0"/>
+              <a:t>»</a:t>
+            </a:r>
+          </a:p>
+          <a:p>
+            <a:pPr marL="342900" indent="-342900">
+              <a:buFont typeface="Arial" panose="020B0604020202020204" pitchFamily="34" charset="0"/>
+              <a:buChar char="•"/>
+            </a:pPr>
+            <a:r>
+              <a:rPr lang="ru-RU" sz="2000" dirty="0"/>
+              <a:t>Пакет программных инструментов для генерации электронных документов «</a:t>
+            </a:r>
+            <a:r>
+              <a:rPr lang="en-US" sz="2000" dirty="0"/>
+              <a:t>Open-XML-SDK</a:t>
+            </a:r>
+            <a:r>
+              <a:rPr lang="ru-RU" sz="2000" dirty="0"/>
+              <a:t>»</a:t>
+            </a:r>
+            <a:r>
+              <a:rPr lang="en-US" sz="2000" dirty="0"/>
+              <a:t> </a:t>
+            </a:r>
+            <a:r>
+              <a:rPr lang="ru-RU" sz="2000" dirty="0"/>
+              <a:t>- лицензия «</a:t>
+            </a:r>
+            <a:r>
+              <a:rPr lang="en-US" sz="2000" dirty="0"/>
+              <a:t>MIT</a:t>
+            </a:r>
+            <a:r>
+              <a:rPr lang="ru-RU" sz="2000" dirty="0"/>
+              <a:t>»</a:t>
             </a:r>
           </a:p>
         </p:txBody>
@@ -38380,6 +37460,47 @@
               <a:t>4</a:t>
             </a:fld>
             <a:endParaRPr lang="ru-RU"/>
+          </a:p>
+        </p:txBody>
+      </p:sp>
+      <p:sp>
+        <p:nvSpPr>
+          <p:cNvPr id="2" name="Заголовок 1">
+            <a:extLst>
+              <a:ext uri="{FF2B5EF4-FFF2-40B4-BE49-F238E27FC236}">
+                <a16:creationId xmlns:a16="http://schemas.microsoft.com/office/drawing/2014/main" id="{61BECA7F-B2BA-948F-5560-02951B277E68}"/>
+              </a:ext>
+            </a:extLst>
+          </p:cNvPr>
+          <p:cNvSpPr>
+            <a:spLocks noGrp="1"/>
+          </p:cNvSpPr>
+          <p:nvPr>
+            <p:ph type="title"/>
+          </p:nvPr>
+        </p:nvSpPr>
+        <p:spPr>
+          <a:xfrm>
+            <a:off x="548640" y="764704"/>
+            <a:ext cx="8931736" cy="1071736"/>
+          </a:xfrm>
+        </p:spPr>
+        <p:txBody>
+          <a:bodyPr>
+            <a:noAutofit/>
+          </a:bodyPr>
+          <a:lstStyle/>
+          <a:p>
+            <a:r>
+              <a:rPr lang="ru-RU" sz="3600" dirty="0">
+                <a:solidFill>
+                  <a:schemeClr val="bg1">
+                    <a:lumMod val="95000"/>
+                  </a:schemeClr>
+                </a:solidFill>
+              </a:rPr>
+              <a:t>Использованные информационные технологии</a:t>
+            </a:r>
           </a:p>
         </p:txBody>
       </p:sp>
@@ -38413,10 +37534,226 @@
           </a:prstGeom>
         </p:spPr>
       </p:pic>
+      <p:pic>
+        <p:nvPicPr>
+          <p:cNvPr id="1026" name="Picture 2">
+            <a:extLst>
+              <a:ext uri="{FF2B5EF4-FFF2-40B4-BE49-F238E27FC236}">
+                <a16:creationId xmlns:a16="http://schemas.microsoft.com/office/drawing/2014/main" id="{9AFF89E0-980C-6492-52F7-3948B65B29AA}"/>
+              </a:ext>
+            </a:extLst>
+          </p:cNvPr>
+          <p:cNvPicPr>
+            <a:picLocks noChangeAspect="1" noChangeArrowheads="1"/>
+          </p:cNvPicPr>
+          <p:nvPr/>
+        </p:nvPicPr>
+        <p:blipFill>
+          <a:blip r:embed="rId4">
+            <a:extLst>
+              <a:ext uri="{28A0092B-C50C-407E-A947-70E740481C1C}">
+                <a14:useLocalDpi xmlns:a14="http://schemas.microsoft.com/office/drawing/2010/main" val="0"/>
+              </a:ext>
+            </a:extLst>
+          </a:blip>
+          <a:srcRect/>
+          <a:stretch>
+            <a:fillRect/>
+          </a:stretch>
+        </p:blipFill>
+        <p:spPr bwMode="auto">
+          <a:xfrm>
+            <a:off x="3461331" y="4214851"/>
+            <a:ext cx="1078312" cy="1078312"/>
+          </a:xfrm>
+          <a:prstGeom prst="rect">
+            <a:avLst/>
+          </a:prstGeom>
+          <a:noFill/>
+          <a:extLst>
+            <a:ext uri="{909E8E84-426E-40DD-AFC4-6F175D3DCCD1}">
+              <a14:hiddenFill xmlns:a14="http://schemas.microsoft.com/office/drawing/2010/main">
+                <a:solidFill>
+                  <a:srgbClr val="FFFFFF"/>
+                </a:solidFill>
+              </a14:hiddenFill>
+            </a:ext>
+          </a:extLst>
+        </p:spPr>
+      </p:pic>
+      <p:pic>
+        <p:nvPicPr>
+          <p:cNvPr id="1032" name="Picture 8">
+            <a:extLst>
+              <a:ext uri="{FF2B5EF4-FFF2-40B4-BE49-F238E27FC236}">
+                <a16:creationId xmlns:a16="http://schemas.microsoft.com/office/drawing/2014/main" id="{50E77140-9B44-B462-C964-FC95122ACE0C}"/>
+              </a:ext>
+            </a:extLst>
+          </p:cNvPr>
+          <p:cNvPicPr>
+            <a:picLocks noChangeAspect="1" noChangeArrowheads="1"/>
+          </p:cNvPicPr>
+          <p:nvPr/>
+        </p:nvPicPr>
+        <p:blipFill>
+          <a:blip r:embed="rId5">
+            <a:extLst>
+              <a:ext uri="{28A0092B-C50C-407E-A947-70E740481C1C}">
+                <a14:useLocalDpi xmlns:a14="http://schemas.microsoft.com/office/drawing/2010/main" val="0"/>
+              </a:ext>
+            </a:extLst>
+          </a:blip>
+          <a:srcRect/>
+          <a:stretch>
+            <a:fillRect/>
+          </a:stretch>
+        </p:blipFill>
+        <p:spPr bwMode="auto">
+          <a:xfrm>
+            <a:off x="3605348" y="5220817"/>
+            <a:ext cx="1071737" cy="1071737"/>
+          </a:xfrm>
+          <a:prstGeom prst="rect">
+            <a:avLst/>
+          </a:prstGeom>
+          <a:noFill/>
+          <a:extLst>
+            <a:ext uri="{909E8E84-426E-40DD-AFC4-6F175D3DCCD1}">
+              <a14:hiddenFill xmlns:a14="http://schemas.microsoft.com/office/drawing/2010/main">
+                <a:solidFill>
+                  <a:srgbClr val="FFFFFF"/>
+                </a:solidFill>
+              </a14:hiddenFill>
+            </a:ext>
+          </a:extLst>
+        </p:spPr>
+      </p:pic>
+      <p:sp>
+        <p:nvSpPr>
+          <p:cNvPr id="7" name="AutoShape 14">
+            <a:extLst>
+              <a:ext uri="{FF2B5EF4-FFF2-40B4-BE49-F238E27FC236}">
+                <a16:creationId xmlns:a16="http://schemas.microsoft.com/office/drawing/2014/main" id="{C40FE1FF-0478-6CEB-9B26-AFA9B28C9496}"/>
+              </a:ext>
+            </a:extLst>
+          </p:cNvPr>
+          <p:cNvSpPr>
+            <a:spLocks noChangeAspect="1" noChangeArrowheads="1"/>
+          </p:cNvSpPr>
+          <p:nvPr/>
+        </p:nvSpPr>
+        <p:spPr bwMode="auto">
+          <a:xfrm>
+            <a:off x="5943600" y="3276600"/>
+            <a:ext cx="304800" cy="304800"/>
+          </a:xfrm>
+          <a:prstGeom prst="rect">
+            <a:avLst/>
+          </a:prstGeom>
+          <a:noFill/>
+          <a:extLst>
+            <a:ext uri="{909E8E84-426E-40DD-AFC4-6F175D3DCCD1}">
+              <a14:hiddenFill xmlns:a14="http://schemas.microsoft.com/office/drawing/2010/main">
+                <a:solidFill>
+                  <a:srgbClr val="FFFFFF"/>
+                </a:solidFill>
+              </a14:hiddenFill>
+            </a:ext>
+          </a:extLst>
+        </p:spPr>
+        <p:txBody>
+          <a:bodyPr vert="horz" wrap="square" lIns="91440" tIns="45720" rIns="91440" bIns="45720" numCol="1" anchor="t" anchorCtr="0" compatLnSpc="1">
+            <a:prstTxWarp prst="textNoShape">
+              <a:avLst/>
+            </a:prstTxWarp>
+          </a:bodyPr>
+          <a:lstStyle/>
+          <a:p>
+            <a:endParaRPr lang="ru-RU"/>
+          </a:p>
+        </p:txBody>
+      </p:sp>
+      <p:pic>
+        <p:nvPicPr>
+          <p:cNvPr id="1050" name="Picture 26">
+            <a:extLst>
+              <a:ext uri="{FF2B5EF4-FFF2-40B4-BE49-F238E27FC236}">
+                <a16:creationId xmlns:a16="http://schemas.microsoft.com/office/drawing/2014/main" id="{CD316FB9-2D48-59C0-BE10-8F49E1151F79}"/>
+              </a:ext>
+            </a:extLst>
+          </p:cNvPr>
+          <p:cNvPicPr>
+            <a:picLocks noChangeAspect="1" noChangeArrowheads="1"/>
+          </p:cNvPicPr>
+          <p:nvPr/>
+        </p:nvPicPr>
+        <p:blipFill>
+          <a:blip r:embed="rId6">
+            <a:extLst>
+              <a:ext uri="{28A0092B-C50C-407E-A947-70E740481C1C}">
+                <a14:useLocalDpi xmlns:a14="http://schemas.microsoft.com/office/drawing/2010/main" val="0"/>
+              </a:ext>
+            </a:extLst>
+          </a:blip>
+          <a:srcRect/>
+          <a:stretch>
+            <a:fillRect/>
+          </a:stretch>
+        </p:blipFill>
+        <p:spPr bwMode="auto">
+          <a:xfrm>
+            <a:off x="3503712" y="3570346"/>
+            <a:ext cx="1071737" cy="723423"/>
+          </a:xfrm>
+          <a:prstGeom prst="rect">
+            <a:avLst/>
+          </a:prstGeom>
+          <a:noFill/>
+          <a:extLst>
+            <a:ext uri="{909E8E84-426E-40DD-AFC4-6F175D3DCCD1}">
+              <a14:hiddenFill xmlns:a14="http://schemas.microsoft.com/office/drawing/2010/main">
+                <a:solidFill>
+                  <a:srgbClr val="FFFFFF"/>
+                </a:solidFill>
+              </a14:hiddenFill>
+            </a:ext>
+          </a:extLst>
+        </p:spPr>
+      </p:pic>
+      <p:pic>
+        <p:nvPicPr>
+          <p:cNvPr id="14" name="Рисунок 13">
+            <a:extLst>
+              <a:ext uri="{FF2B5EF4-FFF2-40B4-BE49-F238E27FC236}">
+                <a16:creationId xmlns:a16="http://schemas.microsoft.com/office/drawing/2014/main" id="{480228C8-9E1C-7AB8-9DD0-3AF59D7CC166}"/>
+              </a:ext>
+            </a:extLst>
+          </p:cNvPr>
+          <p:cNvPicPr>
+            <a:picLocks noChangeAspect="1"/>
+          </p:cNvPicPr>
+          <p:nvPr/>
+        </p:nvPicPr>
+        <p:blipFill>
+          <a:blip r:embed="rId7"/>
+          <a:stretch>
+            <a:fillRect/>
+          </a:stretch>
+        </p:blipFill>
+        <p:spPr>
+          <a:xfrm>
+            <a:off x="3503712" y="2426111"/>
+            <a:ext cx="1071737" cy="1078312"/>
+          </a:xfrm>
+          <a:prstGeom prst="rect">
+            <a:avLst/>
+          </a:prstGeom>
+        </p:spPr>
+      </p:pic>
     </p:spTree>
     <p:extLst>
       <p:ext uri="{BB962C8B-B14F-4D97-AF65-F5344CB8AC3E}">
-        <p14:creationId xmlns:p14="http://schemas.microsoft.com/office/powerpoint/2010/main" val="2304387653"/>
+        <p14:creationId xmlns:p14="http://schemas.microsoft.com/office/powerpoint/2010/main" val="3423006144"/>
       </p:ext>
     </p:extLst>
   </p:cSld>
@@ -38424,7 +37761,7 @@
     <a:masterClrMapping/>
   </p:clrMapOvr>
   <p:transition spd="slow">
-    <p:strips dir="rd"/>
+    <p:wipe dir="r"/>
   </p:transition>
 </p:sld>
 </file>
@@ -38446,6 +37783,85 @@
           <a:chExt cx="0" cy="0"/>
         </a:xfrm>
       </p:grpSpPr>
+      <p:sp>
+        <p:nvSpPr>
+          <p:cNvPr id="2" name="Заголовок 1">
+            <a:extLst>
+              <a:ext uri="{FF2B5EF4-FFF2-40B4-BE49-F238E27FC236}">
+                <a16:creationId xmlns:a16="http://schemas.microsoft.com/office/drawing/2014/main" id="{61BECA7F-B2BA-948F-5560-02951B277E68}"/>
+              </a:ext>
+            </a:extLst>
+          </p:cNvPr>
+          <p:cNvSpPr>
+            <a:spLocks noGrp="1"/>
+          </p:cNvSpPr>
+          <p:nvPr>
+            <p:ph type="title"/>
+          </p:nvPr>
+        </p:nvSpPr>
+        <p:spPr>
+          <a:xfrm>
+            <a:off x="548640" y="990600"/>
+            <a:ext cx="7780646" cy="707886"/>
+          </a:xfrm>
+        </p:spPr>
+        <p:txBody>
+          <a:bodyPr/>
+          <a:lstStyle/>
+          <a:p>
+            <a:r>
+              <a:rPr lang="ru-RU" dirty="0"/>
+              <a:t>Модули</a:t>
+            </a:r>
+          </a:p>
+        </p:txBody>
+      </p:sp>
+      <p:sp>
+        <p:nvSpPr>
+          <p:cNvPr id="3" name="Объект 2">
+            <a:extLst>
+              <a:ext uri="{FF2B5EF4-FFF2-40B4-BE49-F238E27FC236}">
+                <a16:creationId xmlns:a16="http://schemas.microsoft.com/office/drawing/2014/main" id="{813598BD-3D36-05E2-6FB5-D2ECD32D16BC}"/>
+              </a:ext>
+            </a:extLst>
+          </p:cNvPr>
+          <p:cNvSpPr>
+            <a:spLocks noGrp="1"/>
+          </p:cNvSpPr>
+          <p:nvPr>
+            <p:ph sz="quarter" idx="13"/>
+          </p:nvPr>
+        </p:nvSpPr>
+        <p:spPr/>
+        <p:txBody>
+          <a:bodyPr/>
+          <a:lstStyle/>
+          <a:p>
+            <a:r>
+              <a:rPr lang="ru-RU" dirty="0"/>
+              <a:t>Модуль «Управление пользователями» - пользователи, авторизация и блокировка пользователей.</a:t>
+            </a:r>
+          </a:p>
+          <a:p>
+            <a:r>
+              <a:rPr lang="ru-RU" dirty="0"/>
+              <a:t>Модуль «Приемная комиссия» - данные абитуриентов, группы.</a:t>
+            </a:r>
+          </a:p>
+          <a:p>
+            <a:r>
+              <a:rPr lang="ru-RU" dirty="0"/>
+              <a:t>Модуль «Учет преподавательской нагрузки» - план нагрузки и часы преподавания.</a:t>
+            </a:r>
+          </a:p>
+          <a:p>
+            <a:r>
+              <a:rPr lang="ru-RU" dirty="0"/>
+              <a:t>Модуль «Расписание» - расписание занятий в техникуме.</a:t>
+            </a:r>
+          </a:p>
+        </p:txBody>
+      </p:sp>
       <p:pic>
         <p:nvPicPr>
           <p:cNvPr id="10" name="Рисунок 9">
@@ -38459,18 +37875,18 @@
             <a:picLocks noGrp="1" noChangeAspect="1"/>
           </p:cNvPicPr>
           <p:nvPr>
-            <p:ph type="pic" sz="quarter" idx="17"/>
+            <p:ph type="pic" sz="quarter" idx="15"/>
           </p:nvPr>
         </p:nvPicPr>
         <p:blipFill rotWithShape="1">
           <a:blip r:embed="rId2"/>
-          <a:srcRect l="6650" t="19514" r="6650" b="106"/>
+          <a:srcRect l="350" t="19416" r="350" b="67962"/>
           <a:stretch/>
         </p:blipFill>
         <p:spPr>
           <a:xfrm>
-            <a:off x="0" y="0"/>
-            <a:ext cx="12204000" cy="6858000"/>
+            <a:off x="0" y="-27384"/>
+            <a:ext cx="8329286" cy="468000"/>
           </a:xfrm>
         </p:spPr>
       </p:pic>
@@ -38487,13 +37903,13 @@
             <a:spLocks noGrp="1"/>
           </p:cNvSpPr>
           <p:nvPr>
-            <p:ph type="body" sz="quarter" idx="20"/>
-          </p:nvPr>
-        </p:nvSpPr>
-        <p:spPr>
-          <a:xfrm>
-            <a:off x="552268" y="1415865"/>
-            <a:ext cx="5471723" cy="4771575"/>
+            <p:ph type="body" sz="quarter" idx="16"/>
+          </p:nvPr>
+        </p:nvSpPr>
+        <p:spPr>
+          <a:xfrm>
+            <a:off x="-1" y="1676400"/>
+            <a:ext cx="8329287" cy="424732"/>
           </a:xfrm>
         </p:spPr>
         <p:txBody>
@@ -38502,117 +37918,7 @@
           <a:p>
             <a:r>
               <a:rPr lang="ru-RU" dirty="0"/>
-              <a:t>Основные функции системы</a:t>
-            </a:r>
-          </a:p>
-        </p:txBody>
-      </p:sp>
-      <p:sp>
-        <p:nvSpPr>
-          <p:cNvPr id="3" name="Объект 2">
-            <a:extLst>
-              <a:ext uri="{FF2B5EF4-FFF2-40B4-BE49-F238E27FC236}">
-                <a16:creationId xmlns:a16="http://schemas.microsoft.com/office/drawing/2014/main" id="{813598BD-3D36-05E2-6FB5-D2ECD32D16BC}"/>
-              </a:ext>
-            </a:extLst>
-          </p:cNvPr>
-          <p:cNvSpPr>
-            <a:spLocks noGrp="1"/>
-          </p:cNvSpPr>
-          <p:nvPr>
-            <p:ph sz="quarter" idx="19"/>
-          </p:nvPr>
-        </p:nvSpPr>
-        <p:spPr>
-          <a:xfrm>
-            <a:off x="902788" y="1494770"/>
-            <a:ext cx="4761163" cy="4598526"/>
-          </a:xfrm>
-        </p:spPr>
-        <p:txBody>
-          <a:bodyPr>
-            <a:normAutofit/>
-          </a:bodyPr>
-          <a:lstStyle/>
-          <a:p>
-            <a:r>
-              <a:rPr lang="ru-RU" sz="2400" dirty="0"/>
-              <a:t>Программное обеспечение:</a:t>
-            </a:r>
-          </a:p>
-          <a:p>
-            <a:pPr marL="714375" indent="-342900">
-              <a:buFont typeface="Arial" panose="020B0604020202020204" pitchFamily="34" charset="0"/>
-              <a:buChar char="•"/>
-            </a:pPr>
-            <a:r>
-              <a:rPr lang="ru-RU" sz="2000" dirty="0"/>
-              <a:t>СУБД </a:t>
-            </a:r>
-            <a:r>
-              <a:rPr lang="en-US" sz="2000" dirty="0"/>
-              <a:t>PostgreSQL</a:t>
-            </a:r>
-            <a:r>
-              <a:rPr lang="ru-RU" sz="2000" dirty="0"/>
-              <a:t> 14.0</a:t>
-            </a:r>
-            <a:endParaRPr lang="en-US" sz="2000" dirty="0"/>
-          </a:p>
-          <a:p>
-            <a:r>
-              <a:rPr lang="ru-RU" sz="2400" dirty="0"/>
-              <a:t>Аппаратное обеспечение:</a:t>
-            </a:r>
-          </a:p>
-          <a:p>
-            <a:pPr marL="714375" indent="-342900">
-              <a:buFont typeface="Arial" panose="020B0604020202020204" pitchFamily="34" charset="0"/>
-              <a:buChar char="•"/>
-            </a:pPr>
-            <a:r>
-              <a:rPr lang="ru-RU" sz="2000" dirty="0"/>
-              <a:t>Двух-ядерный процессор с тактовой частотой от 3 ГГц </a:t>
-            </a:r>
-          </a:p>
-          <a:p>
-            <a:pPr marL="714375" indent="-342900">
-              <a:buFont typeface="Arial" panose="020B0604020202020204" pitchFamily="34" charset="0"/>
-              <a:buChar char="•"/>
-            </a:pPr>
-            <a:r>
-              <a:rPr lang="ru-RU" sz="2000" dirty="0"/>
-              <a:t>ОЗУ ёмкостью от 2 ГБ</a:t>
-            </a:r>
-          </a:p>
-          <a:p>
-            <a:pPr marL="714375" indent="-342900">
-              <a:buFont typeface="Arial" panose="020B0604020202020204" pitchFamily="34" charset="0"/>
-              <a:buChar char="•"/>
-            </a:pPr>
-            <a:r>
-              <a:rPr lang="ru-RU" sz="2000" dirty="0"/>
-              <a:t>ПЗУ ёмкостью от 10 ГБ</a:t>
-            </a:r>
-          </a:p>
-          <a:p>
-            <a:pPr marL="714375" indent="-342900">
-              <a:buFont typeface="Arial" panose="020B0604020202020204" pitchFamily="34" charset="0"/>
-              <a:buChar char="•"/>
-            </a:pPr>
-            <a:r>
-              <a:rPr lang="ru-RU" sz="2000" dirty="0"/>
-              <a:t>Подключение к сети со скоростью от 100 Мбит/сек</a:t>
-            </a:r>
-          </a:p>
-          <a:p>
-            <a:pPr marL="714375" indent="-342900">
-              <a:buFont typeface="Arial" panose="020B0604020202020204" pitchFamily="34" charset="0"/>
-              <a:buChar char="•"/>
-            </a:pPr>
-            <a:r>
-              <a:rPr lang="ru-RU" sz="2000" dirty="0"/>
-              <a:t>Источники бесперебойного питания, способные обеспечивать работу техники в течении 30 минут при аварийном отключении электричества</a:t>
+              <a:t>Составные части системы</a:t>
             </a:r>
           </a:p>
         </p:txBody>
@@ -38644,47 +37950,6 @@
               <a:t>5</a:t>
             </a:fld>
             <a:endParaRPr lang="ru-RU"/>
-          </a:p>
-        </p:txBody>
-      </p:sp>
-      <p:sp>
-        <p:nvSpPr>
-          <p:cNvPr id="2" name="Заголовок 1">
-            <a:extLst>
-              <a:ext uri="{FF2B5EF4-FFF2-40B4-BE49-F238E27FC236}">
-                <a16:creationId xmlns:a16="http://schemas.microsoft.com/office/drawing/2014/main" id="{61BECA7F-B2BA-948F-5560-02951B277E68}"/>
-              </a:ext>
-            </a:extLst>
-          </p:cNvPr>
-          <p:cNvSpPr>
-            <a:spLocks noGrp="1"/>
-          </p:cNvSpPr>
-          <p:nvPr>
-            <p:ph type="title"/>
-          </p:nvPr>
-        </p:nvSpPr>
-        <p:spPr>
-          <a:xfrm>
-            <a:off x="548640" y="898808"/>
-            <a:ext cx="11106150" cy="441960"/>
-          </a:xfrm>
-        </p:spPr>
-        <p:txBody>
-          <a:bodyPr>
-            <a:noAutofit/>
-          </a:bodyPr>
-          <a:lstStyle/>
-          <a:p>
-            <a:r>
-              <a:rPr lang="ru-RU" sz="3600" dirty="0">
-                <a:solidFill>
-                  <a:schemeClr val="bg1">
-                    <a:lumMod val="95000"/>
-                  </a:schemeClr>
-                </a:solidFill>
-              </a:rPr>
-              <a:t>Минимальные системные требования</a:t>
-            </a:r>
           </a:p>
         </p:txBody>
       </p:sp>
@@ -38721,7 +37986,7 @@
     </p:spTree>
     <p:extLst>
       <p:ext uri="{BB962C8B-B14F-4D97-AF65-F5344CB8AC3E}">
-        <p14:creationId xmlns:p14="http://schemas.microsoft.com/office/powerpoint/2010/main" val="3745080546"/>
+        <p14:creationId xmlns:p14="http://schemas.microsoft.com/office/powerpoint/2010/main" val="2866229834"/>
       </p:ext>
     </p:extLst>
   </p:cSld>
@@ -38729,7 +37994,7 @@
     <a:masterClrMapping/>
   </p:clrMapOvr>
   <p:transition spd="slow">
-    <p:strips/>
+    <p:strips dir="ld"/>
   </p:transition>
 </p:sld>
 </file>
@@ -38751,6 +38016,311 @@
           <a:chExt cx="0" cy="0"/>
         </a:xfrm>
       </p:grpSpPr>
+      <p:pic>
+        <p:nvPicPr>
+          <p:cNvPr id="10" name="Рисунок 9">
+            <a:extLst>
+              <a:ext uri="{FF2B5EF4-FFF2-40B4-BE49-F238E27FC236}">
+                <a16:creationId xmlns:a16="http://schemas.microsoft.com/office/drawing/2014/main" id="{BB599F29-8226-2AAA-7F26-10298A7E60C5}"/>
+              </a:ext>
+            </a:extLst>
+          </p:cNvPr>
+          <p:cNvPicPr>
+            <a:picLocks noGrp="1" noChangeAspect="1"/>
+          </p:cNvPicPr>
+          <p:nvPr>
+            <p:ph type="pic" sz="quarter" idx="17"/>
+          </p:nvPr>
+        </p:nvPicPr>
+        <p:blipFill rotWithShape="1">
+          <a:blip r:embed="rId2"/>
+          <a:srcRect l="6650" t="19514" r="6650" b="106"/>
+          <a:stretch/>
+        </p:blipFill>
+        <p:spPr>
+          <a:xfrm>
+            <a:off x="0" y="0"/>
+            <a:ext cx="12204000" cy="6858000"/>
+          </a:xfrm>
+        </p:spPr>
+      </p:pic>
+      <p:sp>
+        <p:nvSpPr>
+          <p:cNvPr id="5" name="Текст 4">
+            <a:extLst>
+              <a:ext uri="{FF2B5EF4-FFF2-40B4-BE49-F238E27FC236}">
+                <a16:creationId xmlns:a16="http://schemas.microsoft.com/office/drawing/2014/main" id="{BFFEF887-6238-AAE7-5DDF-3AC3F84B4B7E}"/>
+              </a:ext>
+            </a:extLst>
+          </p:cNvPr>
+          <p:cNvSpPr>
+            <a:spLocks noGrp="1"/>
+          </p:cNvSpPr>
+          <p:nvPr>
+            <p:ph type="body" sz="quarter" idx="20"/>
+          </p:nvPr>
+        </p:nvSpPr>
+        <p:spPr>
+          <a:xfrm>
+            <a:off x="552268" y="1415865"/>
+            <a:ext cx="5471723" cy="4771575"/>
+          </a:xfrm>
+        </p:spPr>
+        <p:txBody>
+          <a:bodyPr/>
+          <a:lstStyle/>
+          <a:p>
+            <a:r>
+              <a:rPr lang="ru-RU" dirty="0"/>
+              <a:t>Основные функции системы</a:t>
+            </a:r>
+          </a:p>
+        </p:txBody>
+      </p:sp>
+      <p:sp>
+        <p:nvSpPr>
+          <p:cNvPr id="3" name="Объект 2">
+            <a:extLst>
+              <a:ext uri="{FF2B5EF4-FFF2-40B4-BE49-F238E27FC236}">
+                <a16:creationId xmlns:a16="http://schemas.microsoft.com/office/drawing/2014/main" id="{813598BD-3D36-05E2-6FB5-D2ECD32D16BC}"/>
+              </a:ext>
+            </a:extLst>
+          </p:cNvPr>
+          <p:cNvSpPr>
+            <a:spLocks noGrp="1"/>
+          </p:cNvSpPr>
+          <p:nvPr>
+            <p:ph sz="quarter" idx="19"/>
+          </p:nvPr>
+        </p:nvSpPr>
+        <p:spPr>
+          <a:xfrm>
+            <a:off x="902788" y="1494770"/>
+            <a:ext cx="4761163" cy="4598526"/>
+          </a:xfrm>
+        </p:spPr>
+        <p:txBody>
+          <a:bodyPr>
+            <a:normAutofit/>
+          </a:bodyPr>
+          <a:lstStyle/>
+          <a:p>
+            <a:r>
+              <a:rPr lang="ru-RU" sz="2400" dirty="0"/>
+              <a:t>Программное обеспечение:</a:t>
+            </a:r>
+          </a:p>
+          <a:p>
+            <a:pPr marL="714375" indent="-342900">
+              <a:buFont typeface="Arial" panose="020B0604020202020204" pitchFamily="34" charset="0"/>
+              <a:buChar char="•"/>
+            </a:pPr>
+            <a:r>
+              <a:rPr lang="ru-RU" sz="2000" dirty="0"/>
+              <a:t>СУБД </a:t>
+            </a:r>
+            <a:r>
+              <a:rPr lang="en-US" sz="2000" dirty="0"/>
+              <a:t>PostgreSQL</a:t>
+            </a:r>
+            <a:r>
+              <a:rPr lang="ru-RU" sz="2000" dirty="0"/>
+              <a:t> 14.0</a:t>
+            </a:r>
+            <a:endParaRPr lang="en-US" sz="2000" dirty="0"/>
+          </a:p>
+          <a:p>
+            <a:r>
+              <a:rPr lang="ru-RU" sz="2400" dirty="0"/>
+              <a:t>Аппаратное обеспечение:</a:t>
+            </a:r>
+          </a:p>
+          <a:p>
+            <a:pPr marL="714375" indent="-342900">
+              <a:buFont typeface="Arial" panose="020B0604020202020204" pitchFamily="34" charset="0"/>
+              <a:buChar char="•"/>
+            </a:pPr>
+            <a:r>
+              <a:rPr lang="ru-RU" sz="2000" dirty="0"/>
+              <a:t>Двух-ядерный процессор с тактовой частотой от 3 ГГц </a:t>
+            </a:r>
+          </a:p>
+          <a:p>
+            <a:pPr marL="714375" indent="-342900">
+              <a:buFont typeface="Arial" panose="020B0604020202020204" pitchFamily="34" charset="0"/>
+              <a:buChar char="•"/>
+            </a:pPr>
+            <a:r>
+              <a:rPr lang="ru-RU" sz="2000" dirty="0"/>
+              <a:t>ОЗУ ёмкостью от 2 ГБ</a:t>
+            </a:r>
+          </a:p>
+          <a:p>
+            <a:pPr marL="714375" indent="-342900">
+              <a:buFont typeface="Arial" panose="020B0604020202020204" pitchFamily="34" charset="0"/>
+              <a:buChar char="•"/>
+            </a:pPr>
+            <a:r>
+              <a:rPr lang="ru-RU" sz="2000" dirty="0"/>
+              <a:t>ПЗУ ёмкостью от 10 ГБ</a:t>
+            </a:r>
+          </a:p>
+          <a:p>
+            <a:pPr marL="714375" indent="-342900">
+              <a:buFont typeface="Arial" panose="020B0604020202020204" pitchFamily="34" charset="0"/>
+              <a:buChar char="•"/>
+            </a:pPr>
+            <a:r>
+              <a:rPr lang="ru-RU" sz="2000" dirty="0"/>
+              <a:t>Подключение к сети со скоростью от 100 Мбит/сек</a:t>
+            </a:r>
+          </a:p>
+          <a:p>
+            <a:pPr marL="714375" indent="-342900">
+              <a:buFont typeface="Arial" panose="020B0604020202020204" pitchFamily="34" charset="0"/>
+              <a:buChar char="•"/>
+            </a:pPr>
+            <a:r>
+              <a:rPr lang="ru-RU" sz="2000" dirty="0"/>
+              <a:t>Источники бесперебойного питания, способные обеспечивать работу техники в течении 30 минут при аварийном отключении электричества</a:t>
+            </a:r>
+          </a:p>
+        </p:txBody>
+      </p:sp>
+      <p:sp>
+        <p:nvSpPr>
+          <p:cNvPr id="6" name="Номер слайда 5">
+            <a:extLst>
+              <a:ext uri="{FF2B5EF4-FFF2-40B4-BE49-F238E27FC236}">
+                <a16:creationId xmlns:a16="http://schemas.microsoft.com/office/drawing/2014/main" id="{BC4C9643-E21D-FE11-3FFC-73AADBB353A9}"/>
+              </a:ext>
+            </a:extLst>
+          </p:cNvPr>
+          <p:cNvSpPr>
+            <a:spLocks noGrp="1"/>
+          </p:cNvSpPr>
+          <p:nvPr>
+            <p:ph type="sldNum" sz="quarter" idx="4"/>
+          </p:nvPr>
+        </p:nvSpPr>
+        <p:spPr/>
+        <p:txBody>
+          <a:bodyPr/>
+          <a:lstStyle/>
+          <a:p>
+            <a:fld id="{4FAB73BC-B049-4115-A692-8D63A059BFB8}" type="slidenum">
+              <a:rPr lang="ru-RU" smtClean="0"/>
+              <a:pPr/>
+              <a:t>6</a:t>
+            </a:fld>
+            <a:endParaRPr lang="ru-RU"/>
+          </a:p>
+        </p:txBody>
+      </p:sp>
+      <p:sp>
+        <p:nvSpPr>
+          <p:cNvPr id="2" name="Заголовок 1">
+            <a:extLst>
+              <a:ext uri="{FF2B5EF4-FFF2-40B4-BE49-F238E27FC236}">
+                <a16:creationId xmlns:a16="http://schemas.microsoft.com/office/drawing/2014/main" id="{61BECA7F-B2BA-948F-5560-02951B277E68}"/>
+              </a:ext>
+            </a:extLst>
+          </p:cNvPr>
+          <p:cNvSpPr>
+            <a:spLocks noGrp="1"/>
+          </p:cNvSpPr>
+          <p:nvPr>
+            <p:ph type="title"/>
+          </p:nvPr>
+        </p:nvSpPr>
+        <p:spPr>
+          <a:xfrm>
+            <a:off x="548640" y="898808"/>
+            <a:ext cx="11106150" cy="441960"/>
+          </a:xfrm>
+        </p:spPr>
+        <p:txBody>
+          <a:bodyPr>
+            <a:noAutofit/>
+          </a:bodyPr>
+          <a:lstStyle/>
+          <a:p>
+            <a:r>
+              <a:rPr lang="ru-RU" sz="3600" dirty="0">
+                <a:solidFill>
+                  <a:schemeClr val="bg1">
+                    <a:lumMod val="95000"/>
+                  </a:schemeClr>
+                </a:solidFill>
+              </a:rPr>
+              <a:t>Минимальные системные требования</a:t>
+            </a:r>
+          </a:p>
+        </p:txBody>
+      </p:sp>
+      <p:pic>
+        <p:nvPicPr>
+          <p:cNvPr id="11" name="Рисунок 10">
+            <a:extLst>
+              <a:ext uri="{FF2B5EF4-FFF2-40B4-BE49-F238E27FC236}">
+                <a16:creationId xmlns:a16="http://schemas.microsoft.com/office/drawing/2014/main" id="{CC1AE3FC-4BE2-B236-E4EE-6C1967C89A86}"/>
+              </a:ext>
+            </a:extLst>
+          </p:cNvPr>
+          <p:cNvPicPr>
+            <a:picLocks noChangeAspect="1"/>
+          </p:cNvPicPr>
+          <p:nvPr/>
+        </p:nvPicPr>
+        <p:blipFill>
+          <a:blip r:embed="rId3"/>
+          <a:stretch>
+            <a:fillRect/>
+          </a:stretch>
+        </p:blipFill>
+        <p:spPr>
+          <a:xfrm>
+            <a:off x="9840416" y="179647"/>
+            <a:ext cx="2107850" cy="2204419"/>
+          </a:xfrm>
+          <a:prstGeom prst="rect">
+            <a:avLst/>
+          </a:prstGeom>
+        </p:spPr>
+      </p:pic>
+    </p:spTree>
+    <p:extLst>
+      <p:ext uri="{BB962C8B-B14F-4D97-AF65-F5344CB8AC3E}">
+        <p14:creationId xmlns:p14="http://schemas.microsoft.com/office/powerpoint/2010/main" val="3745080546"/>
+      </p:ext>
+    </p:extLst>
+  </p:cSld>
+  <p:clrMapOvr>
+    <a:masterClrMapping/>
+  </p:clrMapOvr>
+  <p:transition spd="slow">
+    <p:strips/>
+  </p:transition>
+</p:sld>
+</file>
+
+<file path=ppt/slides/slide7.xml><?xml version="1.0" encoding="utf-8"?>
+<p:sld xmlns:a="http://schemas.openxmlformats.org/drawingml/2006/main" xmlns:r="http://schemas.openxmlformats.org/officeDocument/2006/relationships" xmlns:p="http://schemas.openxmlformats.org/presentationml/2006/main">
+  <p:cSld>
+    <p:spTree>
+      <p:nvGrpSpPr>
+        <p:cNvPr id="1" name=""/>
+        <p:cNvGrpSpPr/>
+        <p:nvPr/>
+      </p:nvGrpSpPr>
+      <p:grpSpPr>
+        <a:xfrm>
+          <a:off x="0" y="0"/>
+          <a:ext cx="0" cy="0"/>
+          <a:chOff x="0" y="0"/>
+          <a:chExt cx="0" cy="0"/>
+        </a:xfrm>
+      </p:grpSpPr>
       <p:sp>
         <p:nvSpPr>
           <p:cNvPr id="34" name="Текст 33">
@@ -38846,7 +38416,7 @@
             <a:fld id="{4FAB73BC-B049-4115-A692-8D63A059BFB8}" type="slidenum">
               <a:rPr lang="ru-RU" noProof="1" smtClean="0"/>
               <a:pPr rtl="0"/>
-              <a:t>6</a:t>
+              <a:t>7</a:t>
             </a:fld>
             <a:endParaRPr lang="ru-RU" noProof="1"/>
           </a:p>
@@ -39304,7 +38874,7 @@
 </p:sld>
 </file>
 
-<file path=ppt/slides/slide7.xml><?xml version="1.0" encoding="utf-8"?>
+<file path=ppt/slides/slide8.xml><?xml version="1.0" encoding="utf-8"?>
 <p:sld xmlns:a="http://schemas.openxmlformats.org/drawingml/2006/main" xmlns:r="http://schemas.openxmlformats.org/officeDocument/2006/relationships" xmlns:p="http://schemas.openxmlformats.org/presentationml/2006/main">
   <p:cSld>
     <p:spTree>
@@ -39423,7 +38993,7 @@
             <a:fld id="{4FAB73BC-B049-4115-A692-8D63A059BFB8}" type="slidenum">
               <a:rPr lang="ru-RU" noProof="1" smtClean="0"/>
               <a:pPr rtl="0"/>
-              <a:t>7</a:t>
+              <a:t>8</a:t>
             </a:fld>
             <a:endParaRPr lang="ru-RU" noProof="1"/>
           </a:p>
@@ -39826,7 +39396,7 @@
 </p:sld>
 </file>
 
-<file path=ppt/slides/slide8.xml><?xml version="1.0" encoding="utf-8"?>
+<file path=ppt/slides/slide9.xml><?xml version="1.0" encoding="utf-8"?>
 <p:sld xmlns:a="http://schemas.openxmlformats.org/drawingml/2006/main" xmlns:r="http://schemas.openxmlformats.org/officeDocument/2006/relationships" xmlns:p="http://schemas.openxmlformats.org/presentationml/2006/main">
   <p:cSld>
     <p:spTree>
@@ -39902,7 +39472,7 @@
             <a:fld id="{4FAB73BC-B049-4115-A692-8D63A059BFB8}" type="slidenum">
               <a:rPr lang="ru-RU" noProof="1" smtClean="0"/>
               <a:pPr rtl="0"/>
-              <a:t>8</a:t>
+              <a:t>9</a:t>
             </a:fld>
             <a:endParaRPr lang="ru-RU" noProof="1"/>
           </a:p>
@@ -40472,563 +40042,6 @@
   </p:clrMapOvr>
   <p:transition spd="slow">
     <p:wipe dir="u"/>
-  </p:transition>
-</p:sld>
-</file>
-
-<file path=ppt/slides/slide9.xml><?xml version="1.0" encoding="utf-8"?>
-<p:sld xmlns:a="http://schemas.openxmlformats.org/drawingml/2006/main" xmlns:r="http://schemas.openxmlformats.org/officeDocument/2006/relationships" xmlns:p="http://schemas.openxmlformats.org/presentationml/2006/main">
-  <p:cSld>
-    <p:spTree>
-      <p:nvGrpSpPr>
-        <p:cNvPr id="1" name=""/>
-        <p:cNvGrpSpPr/>
-        <p:nvPr/>
-      </p:nvGrpSpPr>
-      <p:grpSpPr>
-        <a:xfrm>
-          <a:off x="0" y="0"/>
-          <a:ext cx="0" cy="0"/>
-          <a:chOff x="0" y="0"/>
-          <a:chExt cx="0" cy="0"/>
-        </a:xfrm>
-      </p:grpSpPr>
-      <p:sp>
-        <p:nvSpPr>
-          <p:cNvPr id="9" name="Заголовок 8">
-            <a:extLst>
-              <a:ext uri="{FF2B5EF4-FFF2-40B4-BE49-F238E27FC236}">
-                <a16:creationId xmlns:a16="http://schemas.microsoft.com/office/drawing/2014/main" id="{4ED2AADB-D271-2D7B-3BAE-C1301D028AA4}"/>
-              </a:ext>
-            </a:extLst>
-          </p:cNvPr>
-          <p:cNvSpPr>
-            <a:spLocks noGrp="1"/>
-          </p:cNvSpPr>
-          <p:nvPr>
-            <p:ph type="title"/>
-          </p:nvPr>
-        </p:nvSpPr>
-        <p:spPr/>
-        <p:txBody>
-          <a:bodyPr>
-            <a:normAutofit/>
-          </a:bodyPr>
-          <a:lstStyle/>
-          <a:p>
-            <a:r>
-              <a:rPr lang="ru-RU" sz="2800" dirty="0"/>
-              <a:t>Модуль «Приемная комиссия»</a:t>
-            </a:r>
-          </a:p>
-        </p:txBody>
-      </p:sp>
-      <p:sp>
-        <p:nvSpPr>
-          <p:cNvPr id="13" name="Объект 12">
-            <a:extLst>
-              <a:ext uri="{FF2B5EF4-FFF2-40B4-BE49-F238E27FC236}">
-                <a16:creationId xmlns:a16="http://schemas.microsoft.com/office/drawing/2014/main" id="{556610ED-3E2D-4E6A-ABD0-150F203E6B46}"/>
-              </a:ext>
-            </a:extLst>
-          </p:cNvPr>
-          <p:cNvSpPr>
-            <a:spLocks noGrp="1"/>
-          </p:cNvSpPr>
-          <p:nvPr>
-            <p:ph type="body" sz="quarter" idx="16"/>
-          </p:nvPr>
-        </p:nvSpPr>
-        <p:spPr/>
-        <p:txBody>
-          <a:bodyPr rtlCol="0">
-            <a:normAutofit/>
-          </a:bodyPr>
-          <a:lstStyle/>
-          <a:p>
-            <a:pPr rtl="0"/>
-            <a:r>
-              <a:rPr lang="ru-RU" sz="1700" noProof="1"/>
-              <a:t>Просмотр списка пользователей системы</a:t>
-            </a:r>
-          </a:p>
-        </p:txBody>
-      </p:sp>
-      <p:sp>
-        <p:nvSpPr>
-          <p:cNvPr id="2" name="Номер слайда 1">
-            <a:extLst>
-              <a:ext uri="{FF2B5EF4-FFF2-40B4-BE49-F238E27FC236}">
-                <a16:creationId xmlns:a16="http://schemas.microsoft.com/office/drawing/2014/main" id="{7A6C6147-EB04-429F-9D41-52F18DE2322C}"/>
-              </a:ext>
-            </a:extLst>
-          </p:cNvPr>
-          <p:cNvSpPr>
-            <a:spLocks noGrp="1"/>
-          </p:cNvSpPr>
-          <p:nvPr>
-            <p:ph type="sldNum" sz="quarter" idx="4"/>
-          </p:nvPr>
-        </p:nvSpPr>
-        <p:spPr>
-          <a:prstGeom prst="rect">
-            <a:avLst/>
-          </a:prstGeom>
-        </p:spPr>
-        <p:txBody>
-          <a:bodyPr rtlCol="0"/>
-          <a:lstStyle/>
-          <a:p>
-            <a:pPr rtl="0"/>
-            <a:fld id="{4FAB73BC-B049-4115-A692-8D63A059BFB8}" type="slidenum">
-              <a:rPr lang="ru-RU" noProof="1" smtClean="0"/>
-              <a:pPr rtl="0"/>
-              <a:t>9</a:t>
-            </a:fld>
-            <a:endParaRPr lang="ru-RU" noProof="1"/>
-          </a:p>
-        </p:txBody>
-      </p:sp>
-      <p:sp>
-        <p:nvSpPr>
-          <p:cNvPr id="32" name="Текст 119">
-            <a:extLst>
-              <a:ext uri="{FF2B5EF4-FFF2-40B4-BE49-F238E27FC236}">
-                <a16:creationId xmlns:a16="http://schemas.microsoft.com/office/drawing/2014/main" id="{D9043C6D-0761-489D-8401-7F976D80BA59}"/>
-              </a:ext>
-              <a:ext uri="{C183D7F6-B498-43B3-948B-1728B52AA6E4}">
-                <adec:decorative xmlns:adec="http://schemas.microsoft.com/office/drawing/2017/decorative" val="1"/>
-              </a:ext>
-            </a:extLst>
-          </p:cNvPr>
-          <p:cNvSpPr txBox="1">
-            <a:spLocks/>
-          </p:cNvSpPr>
-          <p:nvPr/>
-        </p:nvSpPr>
-        <p:spPr>
-          <a:xfrm>
-            <a:off x="693060" y="6641305"/>
-            <a:ext cx="173736" cy="152400"/>
-          </a:xfrm>
-          <a:prstGeom prst="rect">
-            <a:avLst/>
-          </a:prstGeom>
-          <a:solidFill>
-            <a:schemeClr val="accent2"/>
-          </a:solidFill>
-          <a:effectLst>
-            <a:outerShdw blurRad="50800" dist="38100" dir="2700000" algn="tl" rotWithShape="0">
-              <a:prstClr val="black">
-                <a:alpha val="40000"/>
-              </a:prstClr>
-            </a:outerShdw>
-          </a:effectLst>
-        </p:spPr>
-        <p:txBody>
-          <a:bodyPr vert="horz" lIns="45720" tIns="45720" rIns="45720" bIns="45720" rtlCol="0">
-            <a:normAutofit fontScale="25000" lnSpcReduction="20000"/>
-          </a:bodyPr>
-          <a:lstStyle>
-            <a:lvl1pPr marL="0" indent="0" algn="l" defTabSz="914400" rtl="0" eaLnBrk="1" latinLnBrk="0" hangingPunct="1">
-              <a:lnSpc>
-                <a:spcPct val="90000"/>
-              </a:lnSpc>
-              <a:spcBef>
-                <a:spcPts val="1200"/>
-              </a:spcBef>
-              <a:spcAft>
-                <a:spcPts val="200"/>
-              </a:spcAft>
-              <a:buClr>
-                <a:schemeClr val="accent1"/>
-              </a:buClr>
-              <a:buSzPct val="100000"/>
-              <a:buFont typeface="Arial" panose="020B0604020202020204" pitchFamily="34" charset="0"/>
-              <a:buNone/>
-              <a:defRPr sz="2000" kern="1200">
-                <a:solidFill>
-                  <a:schemeClr val="tx1">
-                    <a:alpha val="0"/>
-                  </a:schemeClr>
-                </a:solidFill>
-                <a:latin typeface="+mn-lt"/>
-                <a:ea typeface="+mn-ea"/>
-                <a:cs typeface="+mn-cs"/>
-              </a:defRPr>
-            </a:lvl1pPr>
-            <a:lvl2pPr marL="457200" indent="-228600" algn="l" defTabSz="914400" rtl="0" eaLnBrk="1" latinLnBrk="0" hangingPunct="1">
-              <a:lnSpc>
-                <a:spcPct val="90000"/>
-              </a:lnSpc>
-              <a:spcBef>
-                <a:spcPts val="200"/>
-              </a:spcBef>
-              <a:spcAft>
-                <a:spcPts val="400"/>
-              </a:spcAft>
-              <a:buClr>
-                <a:schemeClr val="accent1"/>
-              </a:buClr>
-              <a:buFont typeface="Arial" panose="020B0604020202020204" pitchFamily="34" charset="0"/>
-              <a:buChar char="•"/>
-              <a:defRPr sz="1800" kern="1200">
-                <a:solidFill>
-                  <a:schemeClr val="tx1"/>
-                </a:solidFill>
-                <a:latin typeface="+mn-lt"/>
-                <a:ea typeface="+mn-ea"/>
-                <a:cs typeface="+mn-cs"/>
-              </a:defRPr>
-            </a:lvl2pPr>
-            <a:lvl3pPr marL="685800" indent="-228600" algn="l" defTabSz="914400" rtl="0" eaLnBrk="1" latinLnBrk="0" hangingPunct="1">
-              <a:lnSpc>
-                <a:spcPct val="90000"/>
-              </a:lnSpc>
-              <a:spcBef>
-                <a:spcPts val="200"/>
-              </a:spcBef>
-              <a:spcAft>
-                <a:spcPts val="400"/>
-              </a:spcAft>
-              <a:buClr>
-                <a:schemeClr val="accent1"/>
-              </a:buClr>
-              <a:buFont typeface="Arial" panose="020B0604020202020204" pitchFamily="34" charset="0"/>
-              <a:buChar char="•"/>
-              <a:defRPr sz="1600" kern="1200">
-                <a:solidFill>
-                  <a:schemeClr val="tx1"/>
-                </a:solidFill>
-                <a:latin typeface="+mn-lt"/>
-                <a:ea typeface="+mn-ea"/>
-                <a:cs typeface="+mn-cs"/>
-              </a:defRPr>
-            </a:lvl3pPr>
-            <a:lvl4pPr marL="914400" indent="-228600" algn="l" defTabSz="914400" rtl="0" eaLnBrk="1" latinLnBrk="0" hangingPunct="1">
-              <a:lnSpc>
-                <a:spcPct val="90000"/>
-              </a:lnSpc>
-              <a:spcBef>
-                <a:spcPts val="200"/>
-              </a:spcBef>
-              <a:spcAft>
-                <a:spcPts val="400"/>
-              </a:spcAft>
-              <a:buClr>
-                <a:schemeClr val="accent1"/>
-              </a:buClr>
-              <a:buFont typeface="Arial" panose="020B0604020202020204" pitchFamily="34" charset="0"/>
-              <a:buChar char="•"/>
-              <a:defRPr sz="1400" kern="1200">
-                <a:solidFill>
-                  <a:schemeClr val="tx1"/>
-                </a:solidFill>
-                <a:latin typeface="+mn-lt"/>
-                <a:ea typeface="+mn-ea"/>
-                <a:cs typeface="+mn-cs"/>
-              </a:defRPr>
-            </a:lvl4pPr>
-            <a:lvl5pPr marL="1143000" indent="-228600" algn="l" defTabSz="914400" rtl="0" eaLnBrk="1" latinLnBrk="0" hangingPunct="1">
-              <a:lnSpc>
-                <a:spcPct val="90000"/>
-              </a:lnSpc>
-              <a:spcBef>
-                <a:spcPts val="200"/>
-              </a:spcBef>
-              <a:spcAft>
-                <a:spcPts val="400"/>
-              </a:spcAft>
-              <a:buClr>
-                <a:schemeClr val="accent1"/>
-              </a:buClr>
-              <a:buFont typeface="Arial" panose="020B0604020202020204" pitchFamily="34" charset="0"/>
-              <a:buChar char="•"/>
-              <a:defRPr sz="1400" kern="1200">
-                <a:solidFill>
-                  <a:schemeClr val="tx1"/>
-                </a:solidFill>
-                <a:latin typeface="+mn-lt"/>
-                <a:ea typeface="+mn-ea"/>
-                <a:cs typeface="+mn-cs"/>
-              </a:defRPr>
-            </a:lvl5pPr>
-            <a:lvl6pPr marL="914400" indent="-137160" algn="l" defTabSz="914400" rtl="0" eaLnBrk="1" latinLnBrk="0" hangingPunct="1">
-              <a:lnSpc>
-                <a:spcPct val="90000"/>
-              </a:lnSpc>
-              <a:spcBef>
-                <a:spcPts val="200"/>
-              </a:spcBef>
-              <a:spcAft>
-                <a:spcPts val="400"/>
-              </a:spcAft>
-              <a:buClr>
-                <a:schemeClr val="accent1"/>
-              </a:buClr>
-              <a:buFont typeface="Wingdings 3" pitchFamily="18" charset="2"/>
-              <a:buChar char=""/>
-              <a:defRPr sz="1400" kern="1200">
-                <a:solidFill>
-                  <a:schemeClr val="tx1"/>
-                </a:solidFill>
-                <a:latin typeface="+mn-lt"/>
-                <a:ea typeface="+mn-ea"/>
-                <a:cs typeface="+mn-cs"/>
-              </a:defRPr>
-            </a:lvl6pPr>
-            <a:lvl7pPr marL="1060704" indent="-137160" algn="l" defTabSz="914400" rtl="0" eaLnBrk="1" latinLnBrk="0" hangingPunct="1">
-              <a:lnSpc>
-                <a:spcPct val="90000"/>
-              </a:lnSpc>
-              <a:spcBef>
-                <a:spcPts val="200"/>
-              </a:spcBef>
-              <a:spcAft>
-                <a:spcPts val="400"/>
-              </a:spcAft>
-              <a:buClr>
-                <a:schemeClr val="accent1"/>
-              </a:buClr>
-              <a:buFont typeface="Wingdings 3" pitchFamily="18" charset="2"/>
-              <a:buChar char=""/>
-              <a:defRPr sz="1400" kern="1200">
-                <a:solidFill>
-                  <a:schemeClr val="tx1"/>
-                </a:solidFill>
-                <a:latin typeface="+mn-lt"/>
-                <a:ea typeface="+mn-ea"/>
-                <a:cs typeface="+mn-cs"/>
-              </a:defRPr>
-            </a:lvl7pPr>
-            <a:lvl8pPr marL="1216152" indent="-137160" algn="l" defTabSz="914400" rtl="0" eaLnBrk="1" latinLnBrk="0" hangingPunct="1">
-              <a:lnSpc>
-                <a:spcPct val="90000"/>
-              </a:lnSpc>
-              <a:spcBef>
-                <a:spcPts val="200"/>
-              </a:spcBef>
-              <a:spcAft>
-                <a:spcPts val="400"/>
-              </a:spcAft>
-              <a:buClr>
-                <a:schemeClr val="accent1"/>
-              </a:buClr>
-              <a:buFont typeface="Wingdings 3" pitchFamily="18" charset="2"/>
-              <a:buChar char=""/>
-              <a:defRPr sz="1400" kern="1200">
-                <a:solidFill>
-                  <a:schemeClr val="tx1"/>
-                </a:solidFill>
-                <a:latin typeface="+mn-lt"/>
-                <a:ea typeface="+mn-ea"/>
-                <a:cs typeface="+mn-cs"/>
-              </a:defRPr>
-            </a:lvl8pPr>
-            <a:lvl9pPr marL="1362456" indent="-137160" algn="l" defTabSz="914400" rtl="0" eaLnBrk="1" latinLnBrk="0" hangingPunct="1">
-              <a:lnSpc>
-                <a:spcPct val="90000"/>
-              </a:lnSpc>
-              <a:spcBef>
-                <a:spcPts val="200"/>
-              </a:spcBef>
-              <a:spcAft>
-                <a:spcPts val="400"/>
-              </a:spcAft>
-              <a:buClr>
-                <a:schemeClr val="accent1"/>
-              </a:buClr>
-              <a:buFont typeface="Wingdings 3" pitchFamily="18" charset="2"/>
-              <a:buChar char=""/>
-              <a:defRPr sz="1400" kern="1200">
-                <a:solidFill>
-                  <a:schemeClr val="tx1"/>
-                </a:solidFill>
-                <a:latin typeface="+mn-lt"/>
-                <a:ea typeface="+mn-ea"/>
-                <a:cs typeface="+mn-cs"/>
-              </a:defRPr>
-            </a:lvl9pPr>
-          </a:lstStyle>
-          <a:p>
-            <a:pPr rtl="0"/>
-            <a:endParaRPr lang="ru-RU" noProof="1">
-              <a:latin typeface="Calibri" panose="020F0502020204030204" pitchFamily="34" charset="0"/>
-            </a:endParaRPr>
-          </a:p>
-        </p:txBody>
-      </p:sp>
-      <p:pic>
-        <p:nvPicPr>
-          <p:cNvPr id="14" name="Рисунок 13">
-            <a:extLst>
-              <a:ext uri="{FF2B5EF4-FFF2-40B4-BE49-F238E27FC236}">
-                <a16:creationId xmlns:a16="http://schemas.microsoft.com/office/drawing/2014/main" id="{B05E4BCC-D2F4-E87F-6E49-4227765DC1AB}"/>
-              </a:ext>
-            </a:extLst>
-          </p:cNvPr>
-          <p:cNvPicPr>
-            <a:picLocks noChangeAspect="1"/>
-          </p:cNvPicPr>
-          <p:nvPr/>
-        </p:nvPicPr>
-        <p:blipFill>
-          <a:blip r:embed="rId3"/>
-          <a:stretch>
-            <a:fillRect/>
-          </a:stretch>
-        </p:blipFill>
-        <p:spPr>
-          <a:xfrm>
-            <a:off x="9840416" y="179647"/>
-            <a:ext cx="2107850" cy="2204419"/>
-          </a:xfrm>
-          <a:prstGeom prst="rect">
-            <a:avLst/>
-          </a:prstGeom>
-        </p:spPr>
-      </p:pic>
-      <p:pic>
-        <p:nvPicPr>
-          <p:cNvPr id="11" name="Рисунок 10">
-            <a:extLst>
-              <a:ext uri="{FF2B5EF4-FFF2-40B4-BE49-F238E27FC236}">
-                <a16:creationId xmlns:a16="http://schemas.microsoft.com/office/drawing/2014/main" id="{1F86FDCA-3908-A680-B8F3-1AA9D91AF93A}"/>
-              </a:ext>
-            </a:extLst>
-          </p:cNvPr>
-          <p:cNvPicPr>
-            <a:picLocks noGrp="1" noChangeAspect="1"/>
-          </p:cNvPicPr>
-          <p:nvPr>
-            <p:ph type="pic" sz="quarter" idx="17"/>
-          </p:nvPr>
-        </p:nvPicPr>
-        <p:blipFill rotWithShape="1">
-          <a:blip r:embed="rId4"/>
-          <a:srcRect l="8" t="6" r="8" b="6"/>
-          <a:stretch/>
-        </p:blipFill>
-        <p:spPr>
-          <a:xfrm>
-            <a:off x="6629399" y="2667000"/>
-            <a:ext cx="5013959" cy="3660775"/>
-          </a:xfrm>
-        </p:spPr>
-      </p:pic>
-      <p:pic>
-        <p:nvPicPr>
-          <p:cNvPr id="8" name="Объект 7">
-            <a:extLst>
-              <a:ext uri="{FF2B5EF4-FFF2-40B4-BE49-F238E27FC236}">
-                <a16:creationId xmlns:a16="http://schemas.microsoft.com/office/drawing/2014/main" id="{52D3CC5B-4963-6EF6-8E1B-A9D38CF41EC8}"/>
-              </a:ext>
-            </a:extLst>
-          </p:cNvPr>
-          <p:cNvPicPr>
-            <a:picLocks noGrp="1" noChangeAspect="1"/>
-          </p:cNvPicPr>
-          <p:nvPr>
-            <p:ph sz="quarter" idx="13"/>
-          </p:nvPr>
-        </p:nvPicPr>
-        <p:blipFill>
-          <a:blip r:embed="rId5"/>
-          <a:stretch>
-            <a:fillRect/>
-          </a:stretch>
-        </p:blipFill>
-        <p:spPr>
-          <a:xfrm>
-            <a:off x="628788" y="2667000"/>
-            <a:ext cx="5775325" cy="3305515"/>
-          </a:xfrm>
-        </p:spPr>
-      </p:pic>
-      <p:pic>
-        <p:nvPicPr>
-          <p:cNvPr id="24" name="Рисунок 23">
-            <a:extLst>
-              <a:ext uri="{FF2B5EF4-FFF2-40B4-BE49-F238E27FC236}">
-                <a16:creationId xmlns:a16="http://schemas.microsoft.com/office/drawing/2014/main" id="{EF12BADA-5978-00D9-A4F9-3F9E25EE02D8}"/>
-              </a:ext>
-            </a:extLst>
-          </p:cNvPr>
-          <p:cNvPicPr>
-            <a:picLocks noChangeAspect="1"/>
-          </p:cNvPicPr>
-          <p:nvPr/>
-        </p:nvPicPr>
-        <p:blipFill rotWithShape="1">
-          <a:blip r:embed="rId6"/>
-          <a:srcRect l="350" t="19416" r="350" b="67962"/>
-          <a:stretch/>
-        </p:blipFill>
-        <p:spPr>
-          <a:xfrm>
-            <a:off x="0" y="-27384"/>
-            <a:ext cx="8329286" cy="468000"/>
-          </a:xfrm>
-          <a:custGeom>
-            <a:avLst/>
-            <a:gdLst>
-              <a:gd name="connsiteX0" fmla="*/ 0 w 8329286"/>
-              <a:gd name="connsiteY0" fmla="*/ 0 h 457200"/>
-              <a:gd name="connsiteX1" fmla="*/ 8329286 w 8329286"/>
-              <a:gd name="connsiteY1" fmla="*/ 0 h 457200"/>
-              <a:gd name="connsiteX2" fmla="*/ 7982281 w 8329286"/>
-              <a:gd name="connsiteY2" fmla="*/ 457200 h 457200"/>
-              <a:gd name="connsiteX3" fmla="*/ 0 w 8329286"/>
-              <a:gd name="connsiteY3" fmla="*/ 457200 h 457200"/>
-            </a:gdLst>
-            <a:ahLst/>
-            <a:cxnLst>
-              <a:cxn ang="0">
-                <a:pos x="connsiteX0" y="connsiteY0"/>
-              </a:cxn>
-              <a:cxn ang="0">
-                <a:pos x="connsiteX1" y="connsiteY1"/>
-              </a:cxn>
-              <a:cxn ang="0">
-                <a:pos x="connsiteX2" y="connsiteY2"/>
-              </a:cxn>
-              <a:cxn ang="0">
-                <a:pos x="connsiteX3" y="connsiteY3"/>
-              </a:cxn>
-            </a:cxnLst>
-            <a:rect l="l" t="t" r="r" b="b"/>
-            <a:pathLst>
-              <a:path w="8329286" h="457200">
-                <a:moveTo>
-                  <a:pt x="0" y="0"/>
-                </a:moveTo>
-                <a:lnTo>
-                  <a:pt x="8329286" y="0"/>
-                </a:lnTo>
-                <a:lnTo>
-                  <a:pt x="7982281" y="457200"/>
-                </a:lnTo>
-                <a:lnTo>
-                  <a:pt x="0" y="457200"/>
-                </a:lnTo>
-                <a:close/>
-              </a:path>
-            </a:pathLst>
-          </a:custGeom>
-        </p:spPr>
-      </p:pic>
-    </p:spTree>
-    <p:extLst>
-      <p:ext uri="{BB962C8B-B14F-4D97-AF65-F5344CB8AC3E}">
-        <p14:creationId xmlns:p14="http://schemas.microsoft.com/office/powerpoint/2010/main" val="145558312"/>
-      </p:ext>
-    </p:extLst>
-  </p:cSld>
-  <p:clrMapOvr>
-    <a:masterClrMapping/>
-  </p:clrMapOvr>
-  <p:transition spd="slow">
-    <p:wipe/>
   </p:transition>
 </p:sld>
 </file>
